--- a/Day2/2c_Uncertainty/Uncertainty.pptx
+++ b/Day2/2c_Uncertainty/Uncertainty.pptx
@@ -277,7 +277,7 @@
           <a:p>
             <a:fld id="{301C93F6-94E6-45CC-84F9-00A48EE15881}" type="datetimeFigureOut">
               <a:rPr lang="en-US" smtClean="0"/>
-              <a:t>3/12/2018</a:t>
+              <a:t>3/13/2018</a:t>
             </a:fld>
             <a:endParaRPr lang="en-US"/>
           </a:p>
@@ -475,7 +475,7 @@
           <a:p>
             <a:fld id="{301C93F6-94E6-45CC-84F9-00A48EE15881}" type="datetimeFigureOut">
               <a:rPr lang="en-US" smtClean="0"/>
-              <a:t>3/12/2018</a:t>
+              <a:t>3/13/2018</a:t>
             </a:fld>
             <a:endParaRPr lang="en-US"/>
           </a:p>
@@ -683,7 +683,7 @@
           <a:p>
             <a:fld id="{301C93F6-94E6-45CC-84F9-00A48EE15881}" type="datetimeFigureOut">
               <a:rPr lang="en-US" smtClean="0"/>
-              <a:t>3/12/2018</a:t>
+              <a:t>3/13/2018</a:t>
             </a:fld>
             <a:endParaRPr lang="en-US"/>
           </a:p>
@@ -913,7 +913,7 @@
           <a:p>
             <a:fld id="{301C93F6-94E6-45CC-84F9-00A48EE15881}" type="datetimeFigureOut">
               <a:rPr lang="en-US" smtClean="0"/>
-              <a:t>3/12/2018</a:t>
+              <a:t>3/13/2018</a:t>
             </a:fld>
             <a:endParaRPr lang="en-US"/>
           </a:p>
@@ -1188,7 +1188,7 @@
           <a:p>
             <a:fld id="{301C93F6-94E6-45CC-84F9-00A48EE15881}" type="datetimeFigureOut">
               <a:rPr lang="en-US" smtClean="0"/>
-              <a:t>3/12/2018</a:t>
+              <a:t>3/13/2018</a:t>
             </a:fld>
             <a:endParaRPr lang="en-US"/>
           </a:p>
@@ -1453,7 +1453,7 @@
           <a:p>
             <a:fld id="{301C93F6-94E6-45CC-84F9-00A48EE15881}" type="datetimeFigureOut">
               <a:rPr lang="en-US" smtClean="0"/>
-              <a:t>3/12/2018</a:t>
+              <a:t>3/13/2018</a:t>
             </a:fld>
             <a:endParaRPr lang="en-US"/>
           </a:p>
@@ -1865,7 +1865,7 @@
           <a:p>
             <a:fld id="{301C93F6-94E6-45CC-84F9-00A48EE15881}" type="datetimeFigureOut">
               <a:rPr lang="en-US" smtClean="0"/>
-              <a:t>3/12/2018</a:t>
+              <a:t>3/13/2018</a:t>
             </a:fld>
             <a:endParaRPr lang="en-US"/>
           </a:p>
@@ -2006,7 +2006,7 @@
           <a:p>
             <a:fld id="{301C93F6-94E6-45CC-84F9-00A48EE15881}" type="datetimeFigureOut">
               <a:rPr lang="en-US" smtClean="0"/>
-              <a:t>3/12/2018</a:t>
+              <a:t>3/13/2018</a:t>
             </a:fld>
             <a:endParaRPr lang="en-US"/>
           </a:p>
@@ -2119,7 +2119,7 @@
           <a:p>
             <a:fld id="{301C93F6-94E6-45CC-84F9-00A48EE15881}" type="datetimeFigureOut">
               <a:rPr lang="en-US" smtClean="0"/>
-              <a:t>3/12/2018</a:t>
+              <a:t>3/13/2018</a:t>
             </a:fld>
             <a:endParaRPr lang="en-US"/>
           </a:p>
@@ -2430,7 +2430,7 @@
           <a:p>
             <a:fld id="{301C93F6-94E6-45CC-84F9-00A48EE15881}" type="datetimeFigureOut">
               <a:rPr lang="en-US" smtClean="0"/>
-              <a:t>3/12/2018</a:t>
+              <a:t>3/13/2018</a:t>
             </a:fld>
             <a:endParaRPr lang="en-US"/>
           </a:p>
@@ -2718,7 +2718,7 @@
           <a:p>
             <a:fld id="{301C93F6-94E6-45CC-84F9-00A48EE15881}" type="datetimeFigureOut">
               <a:rPr lang="en-US" smtClean="0"/>
-              <a:t>3/12/2018</a:t>
+              <a:t>3/13/2018</a:t>
             </a:fld>
             <a:endParaRPr lang="en-US"/>
           </a:p>
@@ -2959,7 +2959,7 @@
           <a:p>
             <a:fld id="{301C93F6-94E6-45CC-84F9-00A48EE15881}" type="datetimeFigureOut">
               <a:rPr lang="en-US" smtClean="0"/>
-              <a:t>3/12/2018</a:t>
+              <a:t>3/13/2018</a:t>
             </a:fld>
             <a:endParaRPr lang="en-US"/>
           </a:p>
@@ -3747,7 +3747,7 @@
           <a:graphicData uri="http://schemas.openxmlformats.org/presentationml/2006/ole">
             <mc:AlternateContent xmlns:mc="http://schemas.openxmlformats.org/markup-compatibility/2006">
               <mc:Choice xmlns:v="urn:schemas-microsoft-com:vml" Requires="v">
-                <p:oleObj spid="_x0000_s1059" name="Equation" r:id="rId3" imgW="1777229" imgH="482391" progId="Equation.DSMT4">
+                <p:oleObj spid="_x0000_s1061" name="Equation" r:id="rId3" imgW="1777229" imgH="482391" progId="Equation.DSMT4">
                   <p:embed/>
                 </p:oleObj>
               </mc:Choice>
@@ -3858,7 +3858,7 @@
           <a:graphicData uri="http://schemas.openxmlformats.org/presentationml/2006/ole">
             <mc:AlternateContent xmlns:mc="http://schemas.openxmlformats.org/markup-compatibility/2006">
               <mc:Choice xmlns:v="urn:schemas-microsoft-com:vml" Requires="v">
-                <p:oleObj spid="_x0000_s1060" name="Equation" r:id="rId5" imgW="342603" imgH="215713" progId="Equation.DSMT4">
+                <p:oleObj spid="_x0000_s1062" name="Equation" r:id="rId5" imgW="342603" imgH="215713" progId="Equation.DSMT4">
                   <p:embed/>
                 </p:oleObj>
               </mc:Choice>

--- a/Day2/2c_Uncertainty/Uncertainty.pptx
+++ b/Day2/2c_Uncertainty/Uncertainty.pptx
@@ -4,6 +4,9 @@
   <p:sldMasterIdLst>
     <p:sldMasterId id="2147483648" r:id="rId1"/>
   </p:sldMasterIdLst>
+  <p:notesMasterIdLst>
+    <p:notesMasterId r:id="rId21"/>
+  </p:notesMasterIdLst>
   <p:sldIdLst>
     <p:sldId id="256" r:id="rId2"/>
     <p:sldId id="257" r:id="rId3"/>
@@ -16,10 +19,14 @@
     <p:sldId id="264" r:id="rId10"/>
     <p:sldId id="269" r:id="rId11"/>
     <p:sldId id="260" r:id="rId12"/>
-    <p:sldId id="266" r:id="rId13"/>
-    <p:sldId id="267" r:id="rId14"/>
-    <p:sldId id="268" r:id="rId15"/>
-    <p:sldId id="265" r:id="rId16"/>
+    <p:sldId id="271" r:id="rId13"/>
+    <p:sldId id="272" r:id="rId14"/>
+    <p:sldId id="273" r:id="rId15"/>
+    <p:sldId id="266" r:id="rId16"/>
+    <p:sldId id="267" r:id="rId17"/>
+    <p:sldId id="268" r:id="rId18"/>
+    <p:sldId id="265" r:id="rId19"/>
+    <p:sldId id="274" r:id="rId20"/>
   </p:sldIdLst>
   <p:sldSz cx="12192000" cy="6858000"/>
   <p:notesSz cx="6858000" cy="9144000"/>
@@ -124,6 +131,355 @@
     </p:ext>
   </p:extLst>
 </p:presentation>
+</file>
+
+<file path=ppt/notesMasters/notesMaster1.xml><?xml version="1.0" encoding="utf-8"?>
+<p:notesMaster xmlns:a="http://schemas.openxmlformats.org/drawingml/2006/main" xmlns:r="http://schemas.openxmlformats.org/officeDocument/2006/relationships" xmlns:p="http://schemas.openxmlformats.org/presentationml/2006/main">
+  <p:cSld>
+    <p:bg>
+      <p:bgRef idx="1001">
+        <a:schemeClr val="bg1"/>
+      </p:bgRef>
+    </p:bg>
+    <p:spTree>
+      <p:nvGrpSpPr>
+        <p:cNvPr id="1" name=""/>
+        <p:cNvGrpSpPr/>
+        <p:nvPr/>
+      </p:nvGrpSpPr>
+      <p:grpSpPr>
+        <a:xfrm>
+          <a:off x="0" y="0"/>
+          <a:ext cx="0" cy="0"/>
+          <a:chOff x="0" y="0"/>
+          <a:chExt cx="0" cy="0"/>
+        </a:xfrm>
+      </p:grpSpPr>
+      <p:sp>
+        <p:nvSpPr>
+          <p:cNvPr id="2" name="Header Placeholder 1"/>
+          <p:cNvSpPr>
+            <a:spLocks noGrp="1"/>
+          </p:cNvSpPr>
+          <p:nvPr>
+            <p:ph type="hdr" sz="quarter"/>
+          </p:nvPr>
+        </p:nvSpPr>
+        <p:spPr>
+          <a:xfrm>
+            <a:off x="0" y="0"/>
+            <a:ext cx="2971800" cy="458788"/>
+          </a:xfrm>
+          <a:prstGeom prst="rect">
+            <a:avLst/>
+          </a:prstGeom>
+        </p:spPr>
+        <p:txBody>
+          <a:bodyPr vert="horz" lIns="91440" tIns="45720" rIns="91440" bIns="45720" rtlCol="0"/>
+          <a:lstStyle>
+            <a:lvl1pPr algn="l">
+              <a:defRPr sz="1200"/>
+            </a:lvl1pPr>
+          </a:lstStyle>
+          <a:p>
+            <a:endParaRPr lang="en-US"/>
+          </a:p>
+        </p:txBody>
+      </p:sp>
+      <p:sp>
+        <p:nvSpPr>
+          <p:cNvPr id="3" name="Date Placeholder 2"/>
+          <p:cNvSpPr>
+            <a:spLocks noGrp="1"/>
+          </p:cNvSpPr>
+          <p:nvPr>
+            <p:ph type="dt" idx="1"/>
+          </p:nvPr>
+        </p:nvSpPr>
+        <p:spPr>
+          <a:xfrm>
+            <a:off x="3884613" y="0"/>
+            <a:ext cx="2971800" cy="458788"/>
+          </a:xfrm>
+          <a:prstGeom prst="rect">
+            <a:avLst/>
+          </a:prstGeom>
+        </p:spPr>
+        <p:txBody>
+          <a:bodyPr vert="horz" lIns="91440" tIns="45720" rIns="91440" bIns="45720" rtlCol="0"/>
+          <a:lstStyle>
+            <a:lvl1pPr algn="r">
+              <a:defRPr sz="1200"/>
+            </a:lvl1pPr>
+          </a:lstStyle>
+          <a:p>
+            <a:fld id="{DEF76E2F-A464-480E-ABD9-CDB1D851B4E5}" type="datetimeFigureOut">
+              <a:rPr lang="en-US" smtClean="0"/>
+              <a:t>3/13/2018</a:t>
+            </a:fld>
+            <a:endParaRPr lang="en-US"/>
+          </a:p>
+        </p:txBody>
+      </p:sp>
+      <p:sp>
+        <p:nvSpPr>
+          <p:cNvPr id="4" name="Slide Image Placeholder 3"/>
+          <p:cNvSpPr>
+            <a:spLocks noGrp="1" noRot="1" noChangeAspect="1"/>
+          </p:cNvSpPr>
+          <p:nvPr>
+            <p:ph type="sldImg" idx="2"/>
+          </p:nvPr>
+        </p:nvSpPr>
+        <p:spPr>
+          <a:xfrm>
+            <a:off x="685800" y="1143000"/>
+            <a:ext cx="5486400" cy="3086100"/>
+          </a:xfrm>
+          <a:prstGeom prst="rect">
+            <a:avLst/>
+          </a:prstGeom>
+          <a:noFill/>
+          <a:ln w="12700">
+            <a:solidFill>
+              <a:prstClr val="black"/>
+            </a:solidFill>
+          </a:ln>
+        </p:spPr>
+        <p:txBody>
+          <a:bodyPr vert="horz" lIns="91440" tIns="45720" rIns="91440" bIns="45720" rtlCol="0" anchor="ctr"/>
+          <a:lstStyle/>
+          <a:p>
+            <a:endParaRPr lang="en-US"/>
+          </a:p>
+        </p:txBody>
+      </p:sp>
+      <p:sp>
+        <p:nvSpPr>
+          <p:cNvPr id="5" name="Notes Placeholder 4"/>
+          <p:cNvSpPr>
+            <a:spLocks noGrp="1"/>
+          </p:cNvSpPr>
+          <p:nvPr>
+            <p:ph type="body" sz="quarter" idx="3"/>
+          </p:nvPr>
+        </p:nvSpPr>
+        <p:spPr>
+          <a:xfrm>
+            <a:off x="685800" y="4400550"/>
+            <a:ext cx="5486400" cy="3600450"/>
+          </a:xfrm>
+          <a:prstGeom prst="rect">
+            <a:avLst/>
+          </a:prstGeom>
+        </p:spPr>
+        <p:txBody>
+          <a:bodyPr vert="horz" lIns="91440" tIns="45720" rIns="91440" bIns="45720" rtlCol="0"/>
+          <a:lstStyle/>
+          <a:p>
+            <a:pPr lvl="0"/>
+            <a:r>
+              <a:rPr lang="en-US"/>
+              <a:t>Edit Master text styles</a:t>
+            </a:r>
+          </a:p>
+          <a:p>
+            <a:pPr lvl="1"/>
+            <a:r>
+              <a:rPr lang="en-US"/>
+              <a:t>Second level</a:t>
+            </a:r>
+          </a:p>
+          <a:p>
+            <a:pPr lvl="2"/>
+            <a:r>
+              <a:rPr lang="en-US"/>
+              <a:t>Third level</a:t>
+            </a:r>
+          </a:p>
+          <a:p>
+            <a:pPr lvl="3"/>
+            <a:r>
+              <a:rPr lang="en-US"/>
+              <a:t>Fourth level</a:t>
+            </a:r>
+          </a:p>
+          <a:p>
+            <a:pPr lvl="4"/>
+            <a:r>
+              <a:rPr lang="en-US"/>
+              <a:t>Fifth level</a:t>
+            </a:r>
+          </a:p>
+        </p:txBody>
+      </p:sp>
+      <p:sp>
+        <p:nvSpPr>
+          <p:cNvPr id="6" name="Footer Placeholder 5"/>
+          <p:cNvSpPr>
+            <a:spLocks noGrp="1"/>
+          </p:cNvSpPr>
+          <p:nvPr>
+            <p:ph type="ftr" sz="quarter" idx="4"/>
+          </p:nvPr>
+        </p:nvSpPr>
+        <p:spPr>
+          <a:xfrm>
+            <a:off x="0" y="8685213"/>
+            <a:ext cx="2971800" cy="458787"/>
+          </a:xfrm>
+          <a:prstGeom prst="rect">
+            <a:avLst/>
+          </a:prstGeom>
+        </p:spPr>
+        <p:txBody>
+          <a:bodyPr vert="horz" lIns="91440" tIns="45720" rIns="91440" bIns="45720" rtlCol="0" anchor="b"/>
+          <a:lstStyle>
+            <a:lvl1pPr algn="l">
+              <a:defRPr sz="1200"/>
+            </a:lvl1pPr>
+          </a:lstStyle>
+          <a:p>
+            <a:endParaRPr lang="en-US"/>
+          </a:p>
+        </p:txBody>
+      </p:sp>
+      <p:sp>
+        <p:nvSpPr>
+          <p:cNvPr id="7" name="Slide Number Placeholder 6"/>
+          <p:cNvSpPr>
+            <a:spLocks noGrp="1"/>
+          </p:cNvSpPr>
+          <p:nvPr>
+            <p:ph type="sldNum" sz="quarter" idx="5"/>
+          </p:nvPr>
+        </p:nvSpPr>
+        <p:spPr>
+          <a:xfrm>
+            <a:off x="3884613" y="8685213"/>
+            <a:ext cx="2971800" cy="458787"/>
+          </a:xfrm>
+          <a:prstGeom prst="rect">
+            <a:avLst/>
+          </a:prstGeom>
+        </p:spPr>
+        <p:txBody>
+          <a:bodyPr vert="horz" lIns="91440" tIns="45720" rIns="91440" bIns="45720" rtlCol="0" anchor="b"/>
+          <a:lstStyle>
+            <a:lvl1pPr algn="r">
+              <a:defRPr sz="1200"/>
+            </a:lvl1pPr>
+          </a:lstStyle>
+          <a:p>
+            <a:fld id="{C4576026-0E82-405D-A4F5-0914726BD9C9}" type="slidenum">
+              <a:rPr lang="en-US" smtClean="0"/>
+              <a:t>‹#›</a:t>
+            </a:fld>
+            <a:endParaRPr lang="en-US"/>
+          </a:p>
+        </p:txBody>
+      </p:sp>
+    </p:spTree>
+    <p:extLst>
+      <p:ext uri="{BB962C8B-B14F-4D97-AF65-F5344CB8AC3E}">
+        <p14:creationId xmlns:p14="http://schemas.microsoft.com/office/powerpoint/2010/main" val="3222504325"/>
+      </p:ext>
+    </p:extLst>
+  </p:cSld>
+  <p:clrMap bg1="lt1" tx1="dk1" bg2="lt2" tx2="dk2" accent1="accent1" accent2="accent2" accent3="accent3" accent4="accent4" accent5="accent5" accent6="accent6" hlink="hlink" folHlink="folHlink"/>
+  <p:notesStyle>
+    <a:lvl1pPr marL="0" algn="l" defTabSz="914400" rtl="0" eaLnBrk="1" latinLnBrk="0" hangingPunct="1">
+      <a:defRPr sz="1200" kern="1200">
+        <a:solidFill>
+          <a:schemeClr val="tx1"/>
+        </a:solidFill>
+        <a:latin typeface="+mn-lt"/>
+        <a:ea typeface="+mn-ea"/>
+        <a:cs typeface="+mn-cs"/>
+      </a:defRPr>
+    </a:lvl1pPr>
+    <a:lvl2pPr marL="457200" algn="l" defTabSz="914400" rtl="0" eaLnBrk="1" latinLnBrk="0" hangingPunct="1">
+      <a:defRPr sz="1200" kern="1200">
+        <a:solidFill>
+          <a:schemeClr val="tx1"/>
+        </a:solidFill>
+        <a:latin typeface="+mn-lt"/>
+        <a:ea typeface="+mn-ea"/>
+        <a:cs typeface="+mn-cs"/>
+      </a:defRPr>
+    </a:lvl2pPr>
+    <a:lvl3pPr marL="914400" algn="l" defTabSz="914400" rtl="0" eaLnBrk="1" latinLnBrk="0" hangingPunct="1">
+      <a:defRPr sz="1200" kern="1200">
+        <a:solidFill>
+          <a:schemeClr val="tx1"/>
+        </a:solidFill>
+        <a:latin typeface="+mn-lt"/>
+        <a:ea typeface="+mn-ea"/>
+        <a:cs typeface="+mn-cs"/>
+      </a:defRPr>
+    </a:lvl3pPr>
+    <a:lvl4pPr marL="1371600" algn="l" defTabSz="914400" rtl="0" eaLnBrk="1" latinLnBrk="0" hangingPunct="1">
+      <a:defRPr sz="1200" kern="1200">
+        <a:solidFill>
+          <a:schemeClr val="tx1"/>
+        </a:solidFill>
+        <a:latin typeface="+mn-lt"/>
+        <a:ea typeface="+mn-ea"/>
+        <a:cs typeface="+mn-cs"/>
+      </a:defRPr>
+    </a:lvl4pPr>
+    <a:lvl5pPr marL="1828800" algn="l" defTabSz="914400" rtl="0" eaLnBrk="1" latinLnBrk="0" hangingPunct="1">
+      <a:defRPr sz="1200" kern="1200">
+        <a:solidFill>
+          <a:schemeClr val="tx1"/>
+        </a:solidFill>
+        <a:latin typeface="+mn-lt"/>
+        <a:ea typeface="+mn-ea"/>
+        <a:cs typeface="+mn-cs"/>
+      </a:defRPr>
+    </a:lvl5pPr>
+    <a:lvl6pPr marL="2286000" algn="l" defTabSz="914400" rtl="0" eaLnBrk="1" latinLnBrk="0" hangingPunct="1">
+      <a:defRPr sz="1200" kern="1200">
+        <a:solidFill>
+          <a:schemeClr val="tx1"/>
+        </a:solidFill>
+        <a:latin typeface="+mn-lt"/>
+        <a:ea typeface="+mn-ea"/>
+        <a:cs typeface="+mn-cs"/>
+      </a:defRPr>
+    </a:lvl6pPr>
+    <a:lvl7pPr marL="2743200" algn="l" defTabSz="914400" rtl="0" eaLnBrk="1" latinLnBrk="0" hangingPunct="1">
+      <a:defRPr sz="1200" kern="1200">
+        <a:solidFill>
+          <a:schemeClr val="tx1"/>
+        </a:solidFill>
+        <a:latin typeface="+mn-lt"/>
+        <a:ea typeface="+mn-ea"/>
+        <a:cs typeface="+mn-cs"/>
+      </a:defRPr>
+    </a:lvl7pPr>
+    <a:lvl8pPr marL="3200400" algn="l" defTabSz="914400" rtl="0" eaLnBrk="1" latinLnBrk="0" hangingPunct="1">
+      <a:defRPr sz="1200" kern="1200">
+        <a:solidFill>
+          <a:schemeClr val="tx1"/>
+        </a:solidFill>
+        <a:latin typeface="+mn-lt"/>
+        <a:ea typeface="+mn-ea"/>
+        <a:cs typeface="+mn-cs"/>
+      </a:defRPr>
+    </a:lvl8pPr>
+    <a:lvl9pPr marL="3657600" algn="l" defTabSz="914400" rtl="0" eaLnBrk="1" latinLnBrk="0" hangingPunct="1">
+      <a:defRPr sz="1200" kern="1200">
+        <a:solidFill>
+          <a:schemeClr val="tx1"/>
+        </a:solidFill>
+        <a:latin typeface="+mn-lt"/>
+        <a:ea typeface="+mn-ea"/>
+        <a:cs typeface="+mn-cs"/>
+      </a:defRPr>
+    </a:lvl9pPr>
+  </p:notesStyle>
+</p:notesMaster>
 </file>
 
 <file path=ppt/slideLayouts/slideLayout1.xml><?xml version="1.0" encoding="utf-8"?>
@@ -3747,7 +4103,7 @@
           <a:graphicData uri="http://schemas.openxmlformats.org/presentationml/2006/ole">
             <mc:AlternateContent xmlns:mc="http://schemas.openxmlformats.org/markup-compatibility/2006">
               <mc:Choice xmlns:v="urn:schemas-microsoft-com:vml" Requires="v">
-                <p:oleObj spid="_x0000_s1061" name="Equation" r:id="rId3" imgW="1777229" imgH="482391" progId="Equation.DSMT4">
+                <p:oleObj spid="_x0000_s1075" name="Equation" r:id="rId3" imgW="1777229" imgH="482391" progId="Equation.DSMT4">
                   <p:embed/>
                 </p:oleObj>
               </mc:Choice>
@@ -3858,7 +4214,7 @@
           <a:graphicData uri="http://schemas.openxmlformats.org/presentationml/2006/ole">
             <mc:AlternateContent xmlns:mc="http://schemas.openxmlformats.org/markup-compatibility/2006">
               <mc:Choice xmlns:v="urn:schemas-microsoft-com:vml" Requires="v">
-                <p:oleObj spid="_x0000_s1062" name="Equation" r:id="rId5" imgW="342603" imgH="215713" progId="Equation.DSMT4">
+                <p:oleObj spid="_x0000_s1076" name="Equation" r:id="rId5" imgW="342603" imgH="215713" progId="Equation.DSMT4">
                   <p:embed/>
                 </p:oleObj>
               </mc:Choice>
@@ -3976,7 +4332,7 @@
           <p:cNvPr id="2" name="Title 1">
             <a:extLst>
               <a:ext uri="{FF2B5EF4-FFF2-40B4-BE49-F238E27FC236}">
-                <a16:creationId xmlns:a16="http://schemas.microsoft.com/office/drawing/2014/main" id="{2C97F2CD-101E-412A-9EB9-61CFB2525E66}"/>
+                <a16:creationId xmlns:a16="http://schemas.microsoft.com/office/drawing/2014/main" id="{8707BA41-E1E3-49C1-B6B3-1F2DD8328ECE}"/>
               </a:ext>
             </a:extLst>
           </p:cNvPr>
@@ -3994,7 +4350,7 @@
           <a:p>
             <a:r>
               <a:rPr lang="en-US" dirty="0"/>
-              <a:t>Overview of MCMC algorithm</a:t>
+              <a:t>Markov Chain Monte Carlo (MCMC)</a:t>
             </a:r>
           </a:p>
         </p:txBody>
@@ -4004,7 +4360,7 @@
           <p:cNvPr id="3" name="Content Placeholder 2">
             <a:extLst>
               <a:ext uri="{FF2B5EF4-FFF2-40B4-BE49-F238E27FC236}">
-                <a16:creationId xmlns:a16="http://schemas.microsoft.com/office/drawing/2014/main" id="{42E3F736-FC84-4056-96C7-52217282FBDF}"/>
+                <a16:creationId xmlns:a16="http://schemas.microsoft.com/office/drawing/2014/main" id="{CD585327-7267-4FE4-8385-4BF59D482B3C}"/>
               </a:ext>
             </a:extLst>
           </p:cNvPr>
@@ -4020,56 +4376,66 @@
           <a:bodyPr/>
           <a:lstStyle/>
           <a:p>
-            <a:pPr marL="514350" indent="-514350">
-              <a:buAutoNum type="arabicParenR"/>
-            </a:pPr>
             <a:r>
               <a:rPr lang="en-US" dirty="0"/>
-              <a:t>Select an initial parameter vector (often mode of the posterior) and compute its posterior density (likelihood * prior)</a:t>
-            </a:r>
-          </a:p>
-          <a:p>
-            <a:pPr marL="514350" indent="-514350">
-              <a:buAutoNum type="arabicParenR"/>
-            </a:pPr>
+              <a:t>Set up a long chain which starts at a pre-specified parameter vector</a:t>
+            </a:r>
+          </a:p>
+          <a:p>
             <a:r>
               <a:rPr lang="en-US" dirty="0"/>
-              <a:t>Generate a new parameter vector based on the current one (using a jump function) and compute its posterior density</a:t>
-            </a:r>
-          </a:p>
-          <a:p>
-            <a:pPr marL="514350" indent="-514350">
-              <a:buAutoNum type="arabicParenR"/>
-            </a:pPr>
+              <a:t>Traverses the posterior distribution</a:t>
+            </a:r>
+          </a:p>
+          <a:p>
+            <a:pPr lvl="1"/>
             <a:r>
               <a:rPr lang="en-US" dirty="0"/>
-              <a:t>Replace the current parameter vector by the new one with probability equal to ratio of the new to the current density</a:t>
-            </a:r>
-          </a:p>
-          <a:p>
-            <a:pPr marL="514350" indent="-514350">
-              <a:buAutoNum type="arabicParenR"/>
-            </a:pPr>
+              <a:t>Goal: get a sequence of parameter vectors which converges to the posterior distribution</a:t>
+            </a:r>
+          </a:p>
+          <a:p>
             <a:r>
               <a:rPr lang="en-US" dirty="0"/>
-              <a:t>Output the current parameter vector</a:t>
-            </a:r>
-          </a:p>
-          <a:p>
-            <a:pPr marL="514350" indent="-514350">
-              <a:buAutoNum type="arabicParenR"/>
-            </a:pPr>
-            <a:r>
-              <a:rPr lang="en-US" dirty="0"/>
-              <a:t>Repeat steps 2-4 many times</a:t>
-            </a:r>
+              <a:t>The sample from the posterior distribution is every nth element in the chain</a:t>
+            </a:r>
+          </a:p>
+        </p:txBody>
+      </p:sp>
+      <p:sp>
+        <p:nvSpPr>
+          <p:cNvPr id="4" name="Slide Number Placeholder 3">
+            <a:extLst>
+              <a:ext uri="{FF2B5EF4-FFF2-40B4-BE49-F238E27FC236}">
+                <a16:creationId xmlns:a16="http://schemas.microsoft.com/office/drawing/2014/main" id="{762967F3-C154-4647-B2FE-459D65E26C97}"/>
+              </a:ext>
+            </a:extLst>
+          </p:cNvPr>
+          <p:cNvSpPr>
+            <a:spLocks noGrp="1"/>
+          </p:cNvSpPr>
+          <p:nvPr>
+            <p:ph type="sldNum" sz="quarter" idx="12"/>
+          </p:nvPr>
+        </p:nvSpPr>
+        <p:spPr/>
+        <p:txBody>
+          <a:bodyPr/>
+          <a:lstStyle/>
+          <a:p>
+            <a:fld id="{EAEB996F-B9EB-4588-9421-96DCEDA45FCD}" type="slidenum">
+              <a:rPr lang="en-US" smtClean="0"/>
+              <a:pPr/>
+              <a:t>12</a:t>
+            </a:fld>
+            <a:endParaRPr lang="en-US"/>
           </a:p>
         </p:txBody>
       </p:sp>
     </p:spTree>
     <p:extLst>
       <p:ext uri="{BB962C8B-B14F-4D97-AF65-F5344CB8AC3E}">
-        <p14:creationId xmlns:p14="http://schemas.microsoft.com/office/powerpoint/2010/main" val="3074405677"/>
+        <p14:creationId xmlns:p14="http://schemas.microsoft.com/office/powerpoint/2010/main" val="4230334190"/>
       </p:ext>
     </p:extLst>
   </p:cSld>
@@ -4101,7 +4467,7 @@
           <p:cNvPr id="2" name="Title 1">
             <a:extLst>
               <a:ext uri="{FF2B5EF4-FFF2-40B4-BE49-F238E27FC236}">
-                <a16:creationId xmlns:a16="http://schemas.microsoft.com/office/drawing/2014/main" id="{81B724A1-F5C7-4906-B52D-5BA19534E1E3}"/>
+                <a16:creationId xmlns:a16="http://schemas.microsoft.com/office/drawing/2014/main" id="{8707BA41-E1E3-49C1-B6B3-1F2DD8328ECE}"/>
               </a:ext>
             </a:extLst>
           </p:cNvPr>
@@ -4119,17 +4485,17 @@
           <a:p>
             <a:r>
               <a:rPr lang="en-US" dirty="0"/>
-              <a:t>Jump function</a:t>
+              <a:t>Markov Chain Monte Carlo (MCMC)</a:t>
             </a:r>
           </a:p>
         </p:txBody>
       </p:sp>
       <p:sp>
         <p:nvSpPr>
-          <p:cNvPr id="3" name="Content Placeholder 2">
-            <a:extLst>
-              <a:ext uri="{FF2B5EF4-FFF2-40B4-BE49-F238E27FC236}">
-                <a16:creationId xmlns:a16="http://schemas.microsoft.com/office/drawing/2014/main" id="{F5A95BDB-D59C-4FB5-BFE9-50ECEFBFE3B7}"/>
+          <p:cNvPr id="4" name="Slide Number Placeholder 3">
+            <a:extLst>
+              <a:ext uri="{FF2B5EF4-FFF2-40B4-BE49-F238E27FC236}">
+                <a16:creationId xmlns:a16="http://schemas.microsoft.com/office/drawing/2014/main" id="{762967F3-C154-4647-B2FE-459D65E26C97}"/>
               </a:ext>
             </a:extLst>
           </p:cNvPr>
@@ -4137,7 +4503,7 @@
             <a:spLocks noGrp="1"/>
           </p:cNvSpPr>
           <p:nvPr>
-            <p:ph idx="1"/>
+            <p:ph type="sldNum" sz="quarter" idx="12"/>
           </p:nvPr>
         </p:nvSpPr>
         <p:spPr/>
@@ -4145,42 +4511,537 @@
           <a:bodyPr/>
           <a:lstStyle/>
           <a:p>
-            <a:r>
-              <a:rPr lang="en-US" dirty="0"/>
-              <a:t>Jump function should be chosen to optimize performance (but usually selected for computational convenience)</a:t>
-            </a:r>
-          </a:p>
-          <a:p>
-            <a:r>
-              <a:rPr lang="en-US" dirty="0"/>
-              <a:t>It should be possible to reach all possible parameter vectors eventually by applying the jump function long enough</a:t>
-            </a:r>
-          </a:p>
-          <a:p>
-            <a:r>
-              <a:rPr lang="en-US" dirty="0"/>
-              <a:t>ADMB jump function – multivariate normal distribution centered at the current parameter vector</a:t>
-            </a:r>
-          </a:p>
-          <a:p>
-            <a:pPr lvl="1"/>
-            <a:r>
-              <a:rPr lang="en-US" dirty="0"/>
-              <a:t>Variance-covariance matrix is a rescaled version</a:t>
-            </a:r>
-          </a:p>
-          <a:p>
-            <a:pPr marL="457200" lvl="1" indent="0">
-              <a:buNone/>
-            </a:pPr>
-            <a:endParaRPr lang="en-US" dirty="0"/>
+            <a:fld id="{EAEB996F-B9EB-4588-9421-96DCEDA45FCD}" type="slidenum">
+              <a:rPr lang="en-US" smtClean="0"/>
+              <a:pPr/>
+              <a:t>13</a:t>
+            </a:fld>
+            <a:endParaRPr lang="en-US"/>
+          </a:p>
+        </p:txBody>
+      </p:sp>
+      <p:pic>
+        <p:nvPicPr>
+          <p:cNvPr id="7" name="Picture 15">
+            <a:extLst>
+              <a:ext uri="{FF2B5EF4-FFF2-40B4-BE49-F238E27FC236}">
+                <a16:creationId xmlns:a16="http://schemas.microsoft.com/office/drawing/2014/main" id="{E53FA66D-624A-449E-8A0A-E5586AF38ECC}"/>
+              </a:ext>
+            </a:extLst>
+          </p:cNvPr>
+          <p:cNvPicPr>
+            <a:picLocks noChangeAspect="1" noChangeArrowheads="1"/>
+          </p:cNvPicPr>
+          <p:nvPr/>
+        </p:nvPicPr>
+        <p:blipFill>
+          <a:blip r:embed="rId2">
+            <a:extLst>
+              <a:ext uri="{28A0092B-C50C-407E-A947-70E740481C1C}">
+                <a14:useLocalDpi xmlns:a14="http://schemas.microsoft.com/office/drawing/2010/main" val="0"/>
+              </a:ext>
+            </a:extLst>
+          </a:blip>
+          <a:srcRect t="19440"/>
+          <a:stretch>
+            <a:fillRect/>
+          </a:stretch>
+        </p:blipFill>
+        <p:spPr bwMode="auto">
+          <a:xfrm>
+            <a:off x="1281952" y="1585913"/>
+            <a:ext cx="6553200" cy="5272087"/>
+          </a:xfrm>
+          <a:prstGeom prst="rect">
+            <a:avLst/>
+          </a:prstGeom>
+          <a:noFill/>
+          <a:ln>
+            <a:noFill/>
+          </a:ln>
+          <a:effectLst/>
+          <a:extLst>
+            <a:ext uri="{909E8E84-426E-40DD-AFC4-6F175D3DCCD1}">
+              <a14:hiddenFill xmlns:a14="http://schemas.microsoft.com/office/drawing/2010/main">
+                <a:solidFill>
+                  <a:schemeClr val="accent1"/>
+                </a:solidFill>
+              </a14:hiddenFill>
+            </a:ext>
+            <a:ext uri="{91240B29-F687-4F45-9708-019B960494DF}">
+              <a14:hiddenLine xmlns:a14="http://schemas.microsoft.com/office/drawing/2010/main" w="9525">
+                <a:solidFill>
+                  <a:schemeClr val="tx1"/>
+                </a:solidFill>
+                <a:miter lim="800000"/>
+                <a:headEnd/>
+                <a:tailEnd/>
+              </a14:hiddenLine>
+            </a:ext>
+            <a:ext uri="{AF507438-7753-43E0-B8FC-AC1667EBCBE1}">
+              <a14:hiddenEffects xmlns:a14="http://schemas.microsoft.com/office/drawing/2010/main">
+                <a:effectLst>
+                  <a:outerShdw dist="35921" dir="2700000" algn="ctr" rotWithShape="0">
+                    <a:schemeClr val="bg2"/>
+                  </a:outerShdw>
+                </a:effectLst>
+              </a14:hiddenEffects>
+            </a:ext>
+          </a:extLst>
+        </p:spPr>
+      </p:pic>
+      <p:sp>
+        <p:nvSpPr>
+          <p:cNvPr id="8" name="Text Box 11">
+            <a:extLst>
+              <a:ext uri="{FF2B5EF4-FFF2-40B4-BE49-F238E27FC236}">
+                <a16:creationId xmlns:a16="http://schemas.microsoft.com/office/drawing/2014/main" id="{DF61C4F0-E61E-42CF-AE39-ADFBB2B3AE99}"/>
+              </a:ext>
+            </a:extLst>
+          </p:cNvPr>
+          <p:cNvSpPr txBox="1">
+            <a:spLocks noChangeArrowheads="1"/>
+          </p:cNvSpPr>
+          <p:nvPr/>
+        </p:nvSpPr>
+        <p:spPr bwMode="auto">
+          <a:xfrm>
+            <a:off x="2571936" y="2473510"/>
+            <a:ext cx="1835150" cy="396875"/>
+          </a:xfrm>
+          <a:prstGeom prst="rect">
+            <a:avLst/>
+          </a:prstGeom>
+          <a:noFill/>
+          <a:ln>
+            <a:noFill/>
+          </a:ln>
+          <a:effectLst/>
+          <a:extLst>
+            <a:ext uri="{909E8E84-426E-40DD-AFC4-6F175D3DCCD1}">
+              <a14:hiddenFill xmlns:a14="http://schemas.microsoft.com/office/drawing/2010/main">
+                <a:solidFill>
+                  <a:schemeClr val="accent1"/>
+                </a:solidFill>
+              </a14:hiddenFill>
+            </a:ext>
+            <a:ext uri="{91240B29-F687-4F45-9708-019B960494DF}">
+              <a14:hiddenLine xmlns:a14="http://schemas.microsoft.com/office/drawing/2010/main" w="9525">
+                <a:solidFill>
+                  <a:schemeClr val="tx1"/>
+                </a:solidFill>
+                <a:miter lim="800000"/>
+                <a:headEnd/>
+                <a:tailEnd/>
+              </a14:hiddenLine>
+            </a:ext>
+            <a:ext uri="{AF507438-7753-43E0-B8FC-AC1667EBCBE1}">
+              <a14:hiddenEffects xmlns:a14="http://schemas.microsoft.com/office/drawing/2010/main">
+                <a:effectLst>
+                  <a:outerShdw dist="35921" dir="2700000" algn="ctr" rotWithShape="0">
+                    <a:schemeClr val="bg2"/>
+                  </a:outerShdw>
+                </a:effectLst>
+              </a14:hiddenEffects>
+            </a:ext>
+          </a:extLst>
+        </p:spPr>
+        <p:txBody>
+          <a:bodyPr wrap="none">
+            <a:spAutoFit/>
+          </a:bodyPr>
+          <a:lstStyle>
+            <a:lvl1pPr eaLnBrk="0" hangingPunct="0">
+              <a:defRPr sz="2400">
+                <a:solidFill>
+                  <a:schemeClr val="tx1"/>
+                </a:solidFill>
+                <a:latin typeface="Tahoma" panose="020B0604030504040204" pitchFamily="34" charset="0"/>
+              </a:defRPr>
+            </a:lvl1pPr>
+            <a:lvl2pPr marL="742950" indent="-285750" eaLnBrk="0" hangingPunct="0">
+              <a:defRPr sz="2400">
+                <a:solidFill>
+                  <a:schemeClr val="tx1"/>
+                </a:solidFill>
+                <a:latin typeface="Tahoma" panose="020B0604030504040204" pitchFamily="34" charset="0"/>
+              </a:defRPr>
+            </a:lvl2pPr>
+            <a:lvl3pPr marL="1143000" indent="-228600" eaLnBrk="0" hangingPunct="0">
+              <a:defRPr sz="2400">
+                <a:solidFill>
+                  <a:schemeClr val="tx1"/>
+                </a:solidFill>
+                <a:latin typeface="Tahoma" panose="020B0604030504040204" pitchFamily="34" charset="0"/>
+              </a:defRPr>
+            </a:lvl3pPr>
+            <a:lvl4pPr marL="1600200" indent="-228600" eaLnBrk="0" hangingPunct="0">
+              <a:defRPr sz="2400">
+                <a:solidFill>
+                  <a:schemeClr val="tx1"/>
+                </a:solidFill>
+                <a:latin typeface="Tahoma" panose="020B0604030504040204" pitchFamily="34" charset="0"/>
+              </a:defRPr>
+            </a:lvl4pPr>
+            <a:lvl5pPr marL="2057400" indent="-228600" eaLnBrk="0" hangingPunct="0">
+              <a:defRPr sz="2400">
+                <a:solidFill>
+                  <a:schemeClr val="tx1"/>
+                </a:solidFill>
+                <a:latin typeface="Tahoma" panose="020B0604030504040204" pitchFamily="34" charset="0"/>
+              </a:defRPr>
+            </a:lvl5pPr>
+            <a:lvl6pPr marL="2514600" indent="-228600" algn="ctr" eaLnBrk="0" fontAlgn="base" hangingPunct="0">
+              <a:spcBef>
+                <a:spcPct val="0"/>
+              </a:spcBef>
+              <a:spcAft>
+                <a:spcPct val="0"/>
+              </a:spcAft>
+              <a:defRPr sz="2400">
+                <a:solidFill>
+                  <a:schemeClr val="tx1"/>
+                </a:solidFill>
+                <a:latin typeface="Tahoma" panose="020B0604030504040204" pitchFamily="34" charset="0"/>
+              </a:defRPr>
+            </a:lvl6pPr>
+            <a:lvl7pPr marL="2971800" indent="-228600" algn="ctr" eaLnBrk="0" fontAlgn="base" hangingPunct="0">
+              <a:spcBef>
+                <a:spcPct val="0"/>
+              </a:spcBef>
+              <a:spcAft>
+                <a:spcPct val="0"/>
+              </a:spcAft>
+              <a:defRPr sz="2400">
+                <a:solidFill>
+                  <a:schemeClr val="tx1"/>
+                </a:solidFill>
+                <a:latin typeface="Tahoma" panose="020B0604030504040204" pitchFamily="34" charset="0"/>
+              </a:defRPr>
+            </a:lvl7pPr>
+            <a:lvl8pPr marL="3429000" indent="-228600" algn="ctr" eaLnBrk="0" fontAlgn="base" hangingPunct="0">
+              <a:spcBef>
+                <a:spcPct val="0"/>
+              </a:spcBef>
+              <a:spcAft>
+                <a:spcPct val="0"/>
+              </a:spcAft>
+              <a:defRPr sz="2400">
+                <a:solidFill>
+                  <a:schemeClr val="tx1"/>
+                </a:solidFill>
+                <a:latin typeface="Tahoma" panose="020B0604030504040204" pitchFamily="34" charset="0"/>
+              </a:defRPr>
+            </a:lvl8pPr>
+            <a:lvl9pPr marL="3886200" indent="-228600" algn="ctr" eaLnBrk="0" fontAlgn="base" hangingPunct="0">
+              <a:spcBef>
+                <a:spcPct val="0"/>
+              </a:spcBef>
+              <a:spcAft>
+                <a:spcPct val="0"/>
+              </a:spcAft>
+              <a:defRPr sz="2400">
+                <a:solidFill>
+                  <a:schemeClr val="tx1"/>
+                </a:solidFill>
+                <a:latin typeface="Tahoma" panose="020B0604030504040204" pitchFamily="34" charset="0"/>
+              </a:defRPr>
+            </a:lvl9pPr>
+          </a:lstStyle>
+          <a:p>
+            <a:pPr eaLnBrk="1" hangingPunct="1"/>
+            <a:r>
+              <a:rPr lang="en-US" altLang="en-US" sz="2000" dirty="0"/>
+              <a:t>Starting vector</a:t>
+            </a:r>
+          </a:p>
+        </p:txBody>
+      </p:sp>
+      <p:sp>
+        <p:nvSpPr>
+          <p:cNvPr id="9" name="Line 12">
+            <a:extLst>
+              <a:ext uri="{FF2B5EF4-FFF2-40B4-BE49-F238E27FC236}">
+                <a16:creationId xmlns:a16="http://schemas.microsoft.com/office/drawing/2014/main" id="{D8E9FD37-D0BB-44DB-814C-1E49D1BD5C18}"/>
+              </a:ext>
+            </a:extLst>
+          </p:cNvPr>
+          <p:cNvSpPr>
+            <a:spLocks noChangeShapeType="1"/>
+          </p:cNvSpPr>
+          <p:nvPr/>
+        </p:nvSpPr>
+        <p:spPr bwMode="auto">
+          <a:xfrm>
+            <a:off x="3375211" y="2862822"/>
+            <a:ext cx="228600" cy="1066800"/>
+          </a:xfrm>
+          <a:prstGeom prst="line">
+            <a:avLst/>
+          </a:prstGeom>
+          <a:noFill/>
+          <a:ln w="38100">
+            <a:solidFill>
+              <a:srgbClr val="FF0000"/>
+            </a:solidFill>
+            <a:round/>
+            <a:headEnd/>
+            <a:tailEnd type="triangle" w="med" len="med"/>
+          </a:ln>
+          <a:effectLst/>
+          <a:extLst>
+            <a:ext uri="{909E8E84-426E-40DD-AFC4-6F175D3DCCD1}">
+              <a14:hiddenFill xmlns:a14="http://schemas.microsoft.com/office/drawing/2010/main">
+                <a:noFill/>
+              </a14:hiddenFill>
+            </a:ext>
+            <a:ext uri="{AF507438-7753-43E0-B8FC-AC1667EBCBE1}">
+              <a14:hiddenEffects xmlns:a14="http://schemas.microsoft.com/office/drawing/2010/main">
+                <a:effectLst>
+                  <a:outerShdw dist="35921" dir="2700000" algn="ctr" rotWithShape="0">
+                    <a:schemeClr val="bg2"/>
+                  </a:outerShdw>
+                </a:effectLst>
+              </a14:hiddenEffects>
+            </a:ext>
+          </a:extLst>
+        </p:spPr>
+        <p:txBody>
+          <a:bodyPr wrap="none"/>
+          <a:lstStyle/>
+          <a:p>
+            <a:endParaRPr lang="en-US"/>
+          </a:p>
+        </p:txBody>
+      </p:sp>
+      <p:sp>
+        <p:nvSpPr>
+          <p:cNvPr id="10" name="Text Box 13">
+            <a:extLst>
+              <a:ext uri="{FF2B5EF4-FFF2-40B4-BE49-F238E27FC236}">
+                <a16:creationId xmlns:a16="http://schemas.microsoft.com/office/drawing/2014/main" id="{E1C29086-6335-4D18-AB19-4F3DB7FD8E11}"/>
+              </a:ext>
+            </a:extLst>
+          </p:cNvPr>
+          <p:cNvSpPr txBox="1">
+            <a:spLocks noChangeArrowheads="1"/>
+          </p:cNvSpPr>
+          <p:nvPr/>
+        </p:nvSpPr>
+        <p:spPr bwMode="auto">
+          <a:xfrm>
+            <a:off x="6096000" y="5957421"/>
+            <a:ext cx="2106613" cy="396875"/>
+          </a:xfrm>
+          <a:prstGeom prst="rect">
+            <a:avLst/>
+          </a:prstGeom>
+          <a:noFill/>
+          <a:ln>
+            <a:noFill/>
+          </a:ln>
+          <a:effectLst/>
+          <a:extLst>
+            <a:ext uri="{909E8E84-426E-40DD-AFC4-6F175D3DCCD1}">
+              <a14:hiddenFill xmlns:a14="http://schemas.microsoft.com/office/drawing/2010/main">
+                <a:solidFill>
+                  <a:schemeClr val="accent1"/>
+                </a:solidFill>
+              </a14:hiddenFill>
+            </a:ext>
+            <a:ext uri="{91240B29-F687-4F45-9708-019B960494DF}">
+              <a14:hiddenLine xmlns:a14="http://schemas.microsoft.com/office/drawing/2010/main" w="9525">
+                <a:solidFill>
+                  <a:schemeClr val="tx1"/>
+                </a:solidFill>
+                <a:miter lim="800000"/>
+                <a:headEnd/>
+                <a:tailEnd/>
+              </a14:hiddenLine>
+            </a:ext>
+            <a:ext uri="{AF507438-7753-43E0-B8FC-AC1667EBCBE1}">
+              <a14:hiddenEffects xmlns:a14="http://schemas.microsoft.com/office/drawing/2010/main">
+                <a:effectLst>
+                  <a:outerShdw dist="35921" dir="2700000" algn="ctr" rotWithShape="0">
+                    <a:schemeClr val="bg2"/>
+                  </a:outerShdw>
+                </a:effectLst>
+              </a14:hiddenEffects>
+            </a:ext>
+          </a:extLst>
+        </p:spPr>
+        <p:txBody>
+          <a:bodyPr wrap="none">
+            <a:spAutoFit/>
+          </a:bodyPr>
+          <a:lstStyle>
+            <a:lvl1pPr eaLnBrk="0" hangingPunct="0">
+              <a:defRPr sz="2400">
+                <a:solidFill>
+                  <a:schemeClr val="tx1"/>
+                </a:solidFill>
+                <a:latin typeface="Tahoma" panose="020B0604030504040204" pitchFamily="34" charset="0"/>
+              </a:defRPr>
+            </a:lvl1pPr>
+            <a:lvl2pPr marL="742950" indent="-285750" eaLnBrk="0" hangingPunct="0">
+              <a:defRPr sz="2400">
+                <a:solidFill>
+                  <a:schemeClr val="tx1"/>
+                </a:solidFill>
+                <a:latin typeface="Tahoma" panose="020B0604030504040204" pitchFamily="34" charset="0"/>
+              </a:defRPr>
+            </a:lvl2pPr>
+            <a:lvl3pPr marL="1143000" indent="-228600" eaLnBrk="0" hangingPunct="0">
+              <a:defRPr sz="2400">
+                <a:solidFill>
+                  <a:schemeClr val="tx1"/>
+                </a:solidFill>
+                <a:latin typeface="Tahoma" panose="020B0604030504040204" pitchFamily="34" charset="0"/>
+              </a:defRPr>
+            </a:lvl3pPr>
+            <a:lvl4pPr marL="1600200" indent="-228600" eaLnBrk="0" hangingPunct="0">
+              <a:defRPr sz="2400">
+                <a:solidFill>
+                  <a:schemeClr val="tx1"/>
+                </a:solidFill>
+                <a:latin typeface="Tahoma" panose="020B0604030504040204" pitchFamily="34" charset="0"/>
+              </a:defRPr>
+            </a:lvl4pPr>
+            <a:lvl5pPr marL="2057400" indent="-228600" eaLnBrk="0" hangingPunct="0">
+              <a:defRPr sz="2400">
+                <a:solidFill>
+                  <a:schemeClr val="tx1"/>
+                </a:solidFill>
+                <a:latin typeface="Tahoma" panose="020B0604030504040204" pitchFamily="34" charset="0"/>
+              </a:defRPr>
+            </a:lvl5pPr>
+            <a:lvl6pPr marL="2514600" indent="-228600" algn="ctr" eaLnBrk="0" fontAlgn="base" hangingPunct="0">
+              <a:spcBef>
+                <a:spcPct val="0"/>
+              </a:spcBef>
+              <a:spcAft>
+                <a:spcPct val="0"/>
+              </a:spcAft>
+              <a:defRPr sz="2400">
+                <a:solidFill>
+                  <a:schemeClr val="tx1"/>
+                </a:solidFill>
+                <a:latin typeface="Tahoma" panose="020B0604030504040204" pitchFamily="34" charset="0"/>
+              </a:defRPr>
+            </a:lvl6pPr>
+            <a:lvl7pPr marL="2971800" indent="-228600" algn="ctr" eaLnBrk="0" fontAlgn="base" hangingPunct="0">
+              <a:spcBef>
+                <a:spcPct val="0"/>
+              </a:spcBef>
+              <a:spcAft>
+                <a:spcPct val="0"/>
+              </a:spcAft>
+              <a:defRPr sz="2400">
+                <a:solidFill>
+                  <a:schemeClr val="tx1"/>
+                </a:solidFill>
+                <a:latin typeface="Tahoma" panose="020B0604030504040204" pitchFamily="34" charset="0"/>
+              </a:defRPr>
+            </a:lvl7pPr>
+            <a:lvl8pPr marL="3429000" indent="-228600" algn="ctr" eaLnBrk="0" fontAlgn="base" hangingPunct="0">
+              <a:spcBef>
+                <a:spcPct val="0"/>
+              </a:spcBef>
+              <a:spcAft>
+                <a:spcPct val="0"/>
+              </a:spcAft>
+              <a:defRPr sz="2400">
+                <a:solidFill>
+                  <a:schemeClr val="tx1"/>
+                </a:solidFill>
+                <a:latin typeface="Tahoma" panose="020B0604030504040204" pitchFamily="34" charset="0"/>
+              </a:defRPr>
+            </a:lvl8pPr>
+            <a:lvl9pPr marL="3886200" indent="-228600" algn="ctr" eaLnBrk="0" fontAlgn="base" hangingPunct="0">
+              <a:spcBef>
+                <a:spcPct val="0"/>
+              </a:spcBef>
+              <a:spcAft>
+                <a:spcPct val="0"/>
+              </a:spcAft>
+              <a:defRPr sz="2400">
+                <a:solidFill>
+                  <a:schemeClr val="tx1"/>
+                </a:solidFill>
+                <a:latin typeface="Tahoma" panose="020B0604030504040204" pitchFamily="34" charset="0"/>
+              </a:defRPr>
+            </a:lvl9pPr>
+          </a:lstStyle>
+          <a:p>
+            <a:pPr eaLnBrk="1" hangingPunct="1"/>
+            <a:r>
+              <a:rPr lang="en-US" altLang="en-US" sz="2000" dirty="0"/>
+              <a:t>First “few” points</a:t>
+            </a:r>
+          </a:p>
+        </p:txBody>
+      </p:sp>
+      <p:sp>
+        <p:nvSpPr>
+          <p:cNvPr id="11" name="Line 14">
+            <a:extLst>
+              <a:ext uri="{FF2B5EF4-FFF2-40B4-BE49-F238E27FC236}">
+                <a16:creationId xmlns:a16="http://schemas.microsoft.com/office/drawing/2014/main" id="{988D6A7F-942E-4166-9312-F93B07BA087D}"/>
+              </a:ext>
+            </a:extLst>
+          </p:cNvPr>
+          <p:cNvSpPr>
+            <a:spLocks noChangeShapeType="1"/>
+          </p:cNvSpPr>
+          <p:nvPr/>
+        </p:nvSpPr>
+        <p:spPr bwMode="auto">
+          <a:xfrm flipH="1" flipV="1">
+            <a:off x="5105400" y="5018181"/>
+            <a:ext cx="1524000" cy="914400"/>
+          </a:xfrm>
+          <a:prstGeom prst="line">
+            <a:avLst/>
+          </a:prstGeom>
+          <a:noFill/>
+          <a:ln w="38100">
+            <a:solidFill>
+              <a:srgbClr val="FF0000"/>
+            </a:solidFill>
+            <a:round/>
+            <a:headEnd/>
+            <a:tailEnd type="triangle" w="med" len="med"/>
+          </a:ln>
+          <a:effectLst/>
+          <a:extLst>
+            <a:ext uri="{909E8E84-426E-40DD-AFC4-6F175D3DCCD1}">
+              <a14:hiddenFill xmlns:a14="http://schemas.microsoft.com/office/drawing/2010/main">
+                <a:noFill/>
+              </a14:hiddenFill>
+            </a:ext>
+            <a:ext uri="{AF507438-7753-43E0-B8FC-AC1667EBCBE1}">
+              <a14:hiddenEffects xmlns:a14="http://schemas.microsoft.com/office/drawing/2010/main">
+                <a:effectLst>
+                  <a:outerShdw dist="35921" dir="2700000" algn="ctr" rotWithShape="0">
+                    <a:schemeClr val="bg2"/>
+                  </a:outerShdw>
+                </a:effectLst>
+              </a14:hiddenEffects>
+            </a:ext>
+          </a:extLst>
+        </p:spPr>
+        <p:txBody>
+          <a:bodyPr wrap="none"/>
+          <a:lstStyle/>
+          <a:p>
+            <a:endParaRPr lang="en-US"/>
           </a:p>
         </p:txBody>
       </p:sp>
     </p:spTree>
     <p:extLst>
       <p:ext uri="{BB962C8B-B14F-4D97-AF65-F5344CB8AC3E}">
-        <p14:creationId xmlns:p14="http://schemas.microsoft.com/office/powerpoint/2010/main" val="428189955"/>
+        <p14:creationId xmlns:p14="http://schemas.microsoft.com/office/powerpoint/2010/main" val="1689194742"/>
       </p:ext>
     </p:extLst>
   </p:cSld>
@@ -4212,7 +5073,7 @@
           <p:cNvPr id="2" name="Title 1">
             <a:extLst>
               <a:ext uri="{FF2B5EF4-FFF2-40B4-BE49-F238E27FC236}">
-                <a16:creationId xmlns:a16="http://schemas.microsoft.com/office/drawing/2014/main" id="{BB85C9CA-26B7-4211-9CF2-14904C13E051}"/>
+                <a16:creationId xmlns:a16="http://schemas.microsoft.com/office/drawing/2014/main" id="{52E7FB95-0CF0-49AB-8C5D-39DF8EC717C5}"/>
               </a:ext>
             </a:extLst>
           </p:cNvPr>
@@ -4230,55 +5091,246 @@
           <a:p>
             <a:r>
               <a:rPr lang="en-US" dirty="0"/>
-              <a:t>Burn-in and thinning</a:t>
+              <a:t>Markov Chain Monte Carlo (MCMC)</a:t>
             </a:r>
           </a:p>
         </p:txBody>
       </p:sp>
+      <p:pic>
+        <p:nvPicPr>
+          <p:cNvPr id="4" name="Picture 4">
+            <a:extLst>
+              <a:ext uri="{FF2B5EF4-FFF2-40B4-BE49-F238E27FC236}">
+                <a16:creationId xmlns:a16="http://schemas.microsoft.com/office/drawing/2014/main" id="{AA4CE3C7-EF11-4C21-B28D-6BE1E21AD58B}"/>
+              </a:ext>
+            </a:extLst>
+          </p:cNvPr>
+          <p:cNvPicPr>
+            <a:picLocks noChangeAspect="1" noChangeArrowheads="1"/>
+          </p:cNvPicPr>
+          <p:nvPr/>
+        </p:nvPicPr>
+        <p:blipFill>
+          <a:blip r:embed="rId2">
+            <a:extLst>
+              <a:ext uri="{28A0092B-C50C-407E-A947-70E740481C1C}">
+                <a14:useLocalDpi xmlns:a14="http://schemas.microsoft.com/office/drawing/2010/main" val="0"/>
+              </a:ext>
+            </a:extLst>
+          </a:blip>
+          <a:srcRect/>
+          <a:stretch>
+            <a:fillRect/>
+          </a:stretch>
+        </p:blipFill>
+        <p:spPr bwMode="auto">
+          <a:xfrm>
+            <a:off x="3352800" y="1373188"/>
+            <a:ext cx="5170488" cy="5160962"/>
+          </a:xfrm>
+          <a:prstGeom prst="rect">
+            <a:avLst/>
+          </a:prstGeom>
+          <a:solidFill>
+            <a:schemeClr val="bg1"/>
+          </a:solidFill>
+          <a:ln>
+            <a:noFill/>
+          </a:ln>
+          <a:effectLst/>
+          <a:extLst>
+            <a:ext uri="{91240B29-F687-4F45-9708-019B960494DF}">
+              <a14:hiddenLine xmlns:a14="http://schemas.microsoft.com/office/drawing/2010/main" w="9525">
+                <a:solidFill>
+                  <a:schemeClr val="tx1"/>
+                </a:solidFill>
+                <a:miter lim="800000"/>
+                <a:headEnd/>
+                <a:tailEnd/>
+              </a14:hiddenLine>
+            </a:ext>
+            <a:ext uri="{AF507438-7753-43E0-B8FC-AC1667EBCBE1}">
+              <a14:hiddenEffects xmlns:a14="http://schemas.microsoft.com/office/drawing/2010/main">
+                <a:effectLst>
+                  <a:outerShdw dist="35921" dir="2700000" algn="ctr" rotWithShape="0">
+                    <a:schemeClr val="bg2"/>
+                  </a:outerShdw>
+                </a:effectLst>
+              </a14:hiddenEffects>
+            </a:ext>
+          </a:extLst>
+        </p:spPr>
+      </p:pic>
       <p:sp>
         <p:nvSpPr>
-          <p:cNvPr id="3" name="Content Placeholder 2">
-            <a:extLst>
-              <a:ext uri="{FF2B5EF4-FFF2-40B4-BE49-F238E27FC236}">
-                <a16:creationId xmlns:a16="http://schemas.microsoft.com/office/drawing/2014/main" id="{8BCA15B6-AB2E-4FED-A029-1DCAA1A6C002}"/>
-              </a:ext>
-            </a:extLst>
-          </p:cNvPr>
-          <p:cNvSpPr>
-            <a:spLocks noGrp="1"/>
+          <p:cNvPr id="5" name="Text Box 5">
+            <a:extLst>
+              <a:ext uri="{FF2B5EF4-FFF2-40B4-BE49-F238E27FC236}">
+                <a16:creationId xmlns:a16="http://schemas.microsoft.com/office/drawing/2014/main" id="{F29749FD-C2BE-4157-8949-7F8A7299E838}"/>
+              </a:ext>
+            </a:extLst>
+          </p:cNvPr>
+          <p:cNvSpPr txBox="1">
+            <a:spLocks noChangeArrowheads="1"/>
           </p:cNvSpPr>
-          <p:nvPr>
-            <p:ph idx="1"/>
-          </p:nvPr>
+          <p:nvPr/>
         </p:nvSpPr>
-        <p:spPr/>
+        <p:spPr bwMode="auto">
+          <a:xfrm>
+            <a:off x="152400" y="3276600"/>
+            <a:ext cx="3028950" cy="822325"/>
+          </a:xfrm>
+          <a:prstGeom prst="rect">
+            <a:avLst/>
+          </a:prstGeom>
+          <a:noFill/>
+          <a:ln>
+            <a:noFill/>
+          </a:ln>
+          <a:effectLst/>
+          <a:extLst>
+            <a:ext uri="{909E8E84-426E-40DD-AFC4-6F175D3DCCD1}">
+              <a14:hiddenFill xmlns:a14="http://schemas.microsoft.com/office/drawing/2010/main">
+                <a:solidFill>
+                  <a:schemeClr val="accent1"/>
+                </a:solidFill>
+              </a14:hiddenFill>
+            </a:ext>
+            <a:ext uri="{91240B29-F687-4F45-9708-019B960494DF}">
+              <a14:hiddenLine xmlns:a14="http://schemas.microsoft.com/office/drawing/2010/main" w="9525">
+                <a:solidFill>
+                  <a:schemeClr val="tx1"/>
+                </a:solidFill>
+                <a:miter lim="800000"/>
+                <a:headEnd/>
+                <a:tailEnd/>
+              </a14:hiddenLine>
+            </a:ext>
+            <a:ext uri="{AF507438-7753-43E0-B8FC-AC1667EBCBE1}">
+              <a14:hiddenEffects xmlns:a14="http://schemas.microsoft.com/office/drawing/2010/main">
+                <a:effectLst>
+                  <a:outerShdw dist="35921" dir="2700000" algn="ctr" rotWithShape="0">
+                    <a:schemeClr val="bg2"/>
+                  </a:outerShdw>
+                </a:effectLst>
+              </a14:hiddenEffects>
+            </a:ext>
+          </a:extLst>
+        </p:spPr>
         <p:txBody>
-          <a:bodyPr/>
-          <a:lstStyle/>
-          <a:p>
-            <a:r>
-              <a:rPr lang="en-US" dirty="0"/>
-              <a:t>Reduce the impact of the initial parameter vector and Markov nature of the algorithm by having a burn-in period and thinning the chain</a:t>
-            </a:r>
-          </a:p>
-          <a:p>
-            <a:r>
-              <a:rPr lang="en-US" dirty="0"/>
-              <a:t>Burn-in: 5-50% of the total chain length to allow the algorithm to set itself up</a:t>
-            </a:r>
-          </a:p>
-          <a:p>
-            <a:r>
-              <a:rPr lang="en-US" dirty="0"/>
-              <a:t>Thin the chain by taking every</a:t>
-            </a:r>
-            <a:r>
-              <a:rPr lang="en-US" i="1" dirty="0"/>
-              <a:t> n</a:t>
-            </a:r>
-            <a:r>
-              <a:rPr lang="en-US" dirty="0"/>
-              <a:t>th value to prevent autocorrelation</a:t>
+          <a:bodyPr wrap="none">
+            <a:spAutoFit/>
+          </a:bodyPr>
+          <a:lstStyle>
+            <a:lvl1pPr eaLnBrk="0" hangingPunct="0">
+              <a:defRPr sz="2400">
+                <a:solidFill>
+                  <a:schemeClr val="tx1"/>
+                </a:solidFill>
+                <a:latin typeface="Tahoma" panose="020B0604030504040204" pitchFamily="34" charset="0"/>
+              </a:defRPr>
+            </a:lvl1pPr>
+            <a:lvl2pPr marL="742950" indent="-285750" eaLnBrk="0" hangingPunct="0">
+              <a:defRPr sz="2400">
+                <a:solidFill>
+                  <a:schemeClr val="tx1"/>
+                </a:solidFill>
+                <a:latin typeface="Tahoma" panose="020B0604030504040204" pitchFamily="34" charset="0"/>
+              </a:defRPr>
+            </a:lvl2pPr>
+            <a:lvl3pPr marL="1143000" indent="-228600" eaLnBrk="0" hangingPunct="0">
+              <a:defRPr sz="2400">
+                <a:solidFill>
+                  <a:schemeClr val="tx1"/>
+                </a:solidFill>
+                <a:latin typeface="Tahoma" panose="020B0604030504040204" pitchFamily="34" charset="0"/>
+              </a:defRPr>
+            </a:lvl3pPr>
+            <a:lvl4pPr marL="1600200" indent="-228600" eaLnBrk="0" hangingPunct="0">
+              <a:defRPr sz="2400">
+                <a:solidFill>
+                  <a:schemeClr val="tx1"/>
+                </a:solidFill>
+                <a:latin typeface="Tahoma" panose="020B0604030504040204" pitchFamily="34" charset="0"/>
+              </a:defRPr>
+            </a:lvl4pPr>
+            <a:lvl5pPr marL="2057400" indent="-228600" eaLnBrk="0" hangingPunct="0">
+              <a:defRPr sz="2400">
+                <a:solidFill>
+                  <a:schemeClr val="tx1"/>
+                </a:solidFill>
+                <a:latin typeface="Tahoma" panose="020B0604030504040204" pitchFamily="34" charset="0"/>
+              </a:defRPr>
+            </a:lvl5pPr>
+            <a:lvl6pPr marL="2514600" indent="-228600" algn="ctr" eaLnBrk="0" fontAlgn="base" hangingPunct="0">
+              <a:spcBef>
+                <a:spcPct val="0"/>
+              </a:spcBef>
+              <a:spcAft>
+                <a:spcPct val="0"/>
+              </a:spcAft>
+              <a:defRPr sz="2400">
+                <a:solidFill>
+                  <a:schemeClr val="tx1"/>
+                </a:solidFill>
+                <a:latin typeface="Tahoma" panose="020B0604030504040204" pitchFamily="34" charset="0"/>
+              </a:defRPr>
+            </a:lvl6pPr>
+            <a:lvl7pPr marL="2971800" indent="-228600" algn="ctr" eaLnBrk="0" fontAlgn="base" hangingPunct="0">
+              <a:spcBef>
+                <a:spcPct val="0"/>
+              </a:spcBef>
+              <a:spcAft>
+                <a:spcPct val="0"/>
+              </a:spcAft>
+              <a:defRPr sz="2400">
+                <a:solidFill>
+                  <a:schemeClr val="tx1"/>
+                </a:solidFill>
+                <a:latin typeface="Tahoma" panose="020B0604030504040204" pitchFamily="34" charset="0"/>
+              </a:defRPr>
+            </a:lvl7pPr>
+            <a:lvl8pPr marL="3429000" indent="-228600" algn="ctr" eaLnBrk="0" fontAlgn="base" hangingPunct="0">
+              <a:spcBef>
+                <a:spcPct val="0"/>
+              </a:spcBef>
+              <a:spcAft>
+                <a:spcPct val="0"/>
+              </a:spcAft>
+              <a:defRPr sz="2400">
+                <a:solidFill>
+                  <a:schemeClr val="tx1"/>
+                </a:solidFill>
+                <a:latin typeface="Tahoma" panose="020B0604030504040204" pitchFamily="34" charset="0"/>
+              </a:defRPr>
+            </a:lvl8pPr>
+            <a:lvl9pPr marL="3886200" indent="-228600" algn="ctr" eaLnBrk="0" fontAlgn="base" hangingPunct="0">
+              <a:spcBef>
+                <a:spcPct val="0"/>
+              </a:spcBef>
+              <a:spcAft>
+                <a:spcPct val="0"/>
+              </a:spcAft>
+              <a:defRPr sz="2400">
+                <a:solidFill>
+                  <a:schemeClr val="tx1"/>
+                </a:solidFill>
+                <a:latin typeface="Tahoma" panose="020B0604030504040204" pitchFamily="34" charset="0"/>
+              </a:defRPr>
+            </a:lvl9pPr>
+          </a:lstStyle>
+          <a:p>
+            <a:pPr algn="l" eaLnBrk="1" hangingPunct="1"/>
+            <a:r>
+              <a:rPr lang="en-AU" altLang="en-US"/>
+              <a:t>Impact of increasing </a:t>
+            </a:r>
+          </a:p>
+          <a:p>
+            <a:pPr algn="l" eaLnBrk="1" hangingPunct="1"/>
+            <a:r>
+              <a:rPr lang="en-AU" altLang="en-US"/>
+              <a:t>the number of cycles</a:t>
             </a:r>
           </a:p>
         </p:txBody>
@@ -4286,7 +5338,7 @@
     </p:spTree>
     <p:extLst>
       <p:ext uri="{BB962C8B-B14F-4D97-AF65-F5344CB8AC3E}">
-        <p14:creationId xmlns:p14="http://schemas.microsoft.com/office/powerpoint/2010/main" val="904614539"/>
+        <p14:creationId xmlns:p14="http://schemas.microsoft.com/office/powerpoint/2010/main" val="1506905253"/>
       </p:ext>
     </p:extLst>
   </p:cSld>
@@ -4318,6 +5370,369 @@
           <p:cNvPr id="2" name="Title 1">
             <a:extLst>
               <a:ext uri="{FF2B5EF4-FFF2-40B4-BE49-F238E27FC236}">
+                <a16:creationId xmlns:a16="http://schemas.microsoft.com/office/drawing/2014/main" id="{2C97F2CD-101E-412A-9EB9-61CFB2525E66}"/>
+              </a:ext>
+            </a:extLst>
+          </p:cNvPr>
+          <p:cNvSpPr>
+            <a:spLocks noGrp="1"/>
+          </p:cNvSpPr>
+          <p:nvPr>
+            <p:ph type="title"/>
+          </p:nvPr>
+        </p:nvSpPr>
+        <p:spPr/>
+        <p:txBody>
+          <a:bodyPr/>
+          <a:lstStyle/>
+          <a:p>
+            <a:r>
+              <a:rPr lang="en-US" dirty="0"/>
+              <a:t>Overview of MCMC algorithm</a:t>
+            </a:r>
+          </a:p>
+        </p:txBody>
+      </p:sp>
+      <p:sp>
+        <p:nvSpPr>
+          <p:cNvPr id="3" name="Content Placeholder 2">
+            <a:extLst>
+              <a:ext uri="{FF2B5EF4-FFF2-40B4-BE49-F238E27FC236}">
+                <a16:creationId xmlns:a16="http://schemas.microsoft.com/office/drawing/2014/main" id="{42E3F736-FC84-4056-96C7-52217282FBDF}"/>
+              </a:ext>
+            </a:extLst>
+          </p:cNvPr>
+          <p:cNvSpPr>
+            <a:spLocks noGrp="1"/>
+          </p:cNvSpPr>
+          <p:nvPr>
+            <p:ph idx="1"/>
+          </p:nvPr>
+        </p:nvSpPr>
+        <p:spPr/>
+        <p:txBody>
+          <a:bodyPr/>
+          <a:lstStyle/>
+          <a:p>
+            <a:pPr marL="514350" indent="-514350">
+              <a:buAutoNum type="arabicParenR"/>
+            </a:pPr>
+            <a:r>
+              <a:rPr lang="en-US" dirty="0"/>
+              <a:t>Select an initial parameter vector (often mode of the posterior) and compute its posterior density (likelihood * prior)</a:t>
+            </a:r>
+          </a:p>
+          <a:p>
+            <a:pPr marL="514350" indent="-514350">
+              <a:buAutoNum type="arabicParenR"/>
+            </a:pPr>
+            <a:r>
+              <a:rPr lang="en-US" dirty="0"/>
+              <a:t>Generate a new parameter vector based on the current one (using a jump function) and compute its posterior density</a:t>
+            </a:r>
+          </a:p>
+          <a:p>
+            <a:pPr marL="514350" indent="-514350">
+              <a:buAutoNum type="arabicParenR"/>
+            </a:pPr>
+            <a:r>
+              <a:rPr lang="en-US" dirty="0"/>
+              <a:t>Replace the current parameter vector by the new one with probability equal to ratio of the new to the current density</a:t>
+            </a:r>
+          </a:p>
+          <a:p>
+            <a:pPr marL="514350" indent="-514350">
+              <a:buAutoNum type="arabicParenR"/>
+            </a:pPr>
+            <a:r>
+              <a:rPr lang="en-US" dirty="0"/>
+              <a:t>Output the current parameter vector</a:t>
+            </a:r>
+          </a:p>
+          <a:p>
+            <a:pPr marL="514350" indent="-514350">
+              <a:buAutoNum type="arabicParenR"/>
+            </a:pPr>
+            <a:r>
+              <a:rPr lang="en-US" dirty="0"/>
+              <a:t>Repeat steps 2-4 many times</a:t>
+            </a:r>
+          </a:p>
+        </p:txBody>
+      </p:sp>
+    </p:spTree>
+    <p:extLst>
+      <p:ext uri="{BB962C8B-B14F-4D97-AF65-F5344CB8AC3E}">
+        <p14:creationId xmlns:p14="http://schemas.microsoft.com/office/powerpoint/2010/main" val="3074405677"/>
+      </p:ext>
+    </p:extLst>
+  </p:cSld>
+  <p:clrMapOvr>
+    <a:masterClrMapping/>
+  </p:clrMapOvr>
+</p:sld>
+</file>
+
+<file path=ppt/slides/slide16.xml><?xml version="1.0" encoding="utf-8"?>
+<p:sld xmlns:a="http://schemas.openxmlformats.org/drawingml/2006/main" xmlns:r="http://schemas.openxmlformats.org/officeDocument/2006/relationships" xmlns:p="http://schemas.openxmlformats.org/presentationml/2006/main">
+  <p:cSld>
+    <p:spTree>
+      <p:nvGrpSpPr>
+        <p:cNvPr id="1" name=""/>
+        <p:cNvGrpSpPr/>
+        <p:nvPr/>
+      </p:nvGrpSpPr>
+      <p:grpSpPr>
+        <a:xfrm>
+          <a:off x="0" y="0"/>
+          <a:ext cx="0" cy="0"/>
+          <a:chOff x="0" y="0"/>
+          <a:chExt cx="0" cy="0"/>
+        </a:xfrm>
+      </p:grpSpPr>
+      <p:sp>
+        <p:nvSpPr>
+          <p:cNvPr id="2" name="Title 1">
+            <a:extLst>
+              <a:ext uri="{FF2B5EF4-FFF2-40B4-BE49-F238E27FC236}">
+                <a16:creationId xmlns:a16="http://schemas.microsoft.com/office/drawing/2014/main" id="{81B724A1-F5C7-4906-B52D-5BA19534E1E3}"/>
+              </a:ext>
+            </a:extLst>
+          </p:cNvPr>
+          <p:cNvSpPr>
+            <a:spLocks noGrp="1"/>
+          </p:cNvSpPr>
+          <p:nvPr>
+            <p:ph type="title"/>
+          </p:nvPr>
+        </p:nvSpPr>
+        <p:spPr/>
+        <p:txBody>
+          <a:bodyPr/>
+          <a:lstStyle/>
+          <a:p>
+            <a:r>
+              <a:rPr lang="en-US" dirty="0"/>
+              <a:t>Jump function</a:t>
+            </a:r>
+          </a:p>
+        </p:txBody>
+      </p:sp>
+      <p:sp>
+        <p:nvSpPr>
+          <p:cNvPr id="3" name="Content Placeholder 2">
+            <a:extLst>
+              <a:ext uri="{FF2B5EF4-FFF2-40B4-BE49-F238E27FC236}">
+                <a16:creationId xmlns:a16="http://schemas.microsoft.com/office/drawing/2014/main" id="{F5A95BDB-D59C-4FB5-BFE9-50ECEFBFE3B7}"/>
+              </a:ext>
+            </a:extLst>
+          </p:cNvPr>
+          <p:cNvSpPr>
+            <a:spLocks noGrp="1"/>
+          </p:cNvSpPr>
+          <p:nvPr>
+            <p:ph idx="1"/>
+          </p:nvPr>
+        </p:nvSpPr>
+        <p:spPr>
+          <a:xfrm>
+            <a:off x="838200" y="1825625"/>
+            <a:ext cx="9677400" cy="4351338"/>
+          </a:xfrm>
+        </p:spPr>
+        <p:txBody>
+          <a:bodyPr>
+            <a:normAutofit fontScale="92500" lnSpcReduction="20000"/>
+          </a:bodyPr>
+          <a:lstStyle/>
+          <a:p>
+            <a:r>
+              <a:rPr lang="en-US" dirty="0"/>
+              <a:t>Jump function should be chosen to optimize performance (but usually selected for computational convenience)</a:t>
+            </a:r>
+          </a:p>
+          <a:p>
+            <a:r>
+              <a:rPr lang="en-US" dirty="0"/>
+              <a:t>It should be possible to reach all possible parameter vectors eventually by applying the jump function long enough</a:t>
+            </a:r>
+          </a:p>
+          <a:p>
+            <a:r>
+              <a:rPr lang="en-US" dirty="0"/>
+              <a:t>ADMB jump function – multivariate normal distribution centered at the current parameter vector</a:t>
+            </a:r>
+          </a:p>
+          <a:p>
+            <a:r>
+              <a:rPr lang="en-US" dirty="0"/>
+              <a:t>Jump function can be adjusted dynamically during the initial phase of MCMC</a:t>
+            </a:r>
+          </a:p>
+          <a:p>
+            <a:pPr lvl="1"/>
+            <a:r>
+              <a:rPr lang="en-US" dirty="0"/>
+              <a:t>Too many “new” parameter vectors being accepted – increase the width of the jump</a:t>
+            </a:r>
+          </a:p>
+          <a:p>
+            <a:pPr lvl="1"/>
+            <a:r>
+              <a:rPr lang="en-US" dirty="0"/>
+              <a:t>Too few “new” parameter vectors accepted – decrease the width of the jump</a:t>
+            </a:r>
+          </a:p>
+          <a:p>
+            <a:pPr lvl="1"/>
+            <a:r>
+              <a:rPr lang="en-US" dirty="0"/>
+              <a:t>Approx. 30-40% acceptance</a:t>
+            </a:r>
+          </a:p>
+        </p:txBody>
+      </p:sp>
+    </p:spTree>
+    <p:extLst>
+      <p:ext uri="{BB962C8B-B14F-4D97-AF65-F5344CB8AC3E}">
+        <p14:creationId xmlns:p14="http://schemas.microsoft.com/office/powerpoint/2010/main" val="428189955"/>
+      </p:ext>
+    </p:extLst>
+  </p:cSld>
+  <p:clrMapOvr>
+    <a:masterClrMapping/>
+  </p:clrMapOvr>
+</p:sld>
+</file>
+
+<file path=ppt/slides/slide17.xml><?xml version="1.0" encoding="utf-8"?>
+<p:sld xmlns:a="http://schemas.openxmlformats.org/drawingml/2006/main" xmlns:r="http://schemas.openxmlformats.org/officeDocument/2006/relationships" xmlns:p="http://schemas.openxmlformats.org/presentationml/2006/main">
+  <p:cSld>
+    <p:spTree>
+      <p:nvGrpSpPr>
+        <p:cNvPr id="1" name=""/>
+        <p:cNvGrpSpPr/>
+        <p:nvPr/>
+      </p:nvGrpSpPr>
+      <p:grpSpPr>
+        <a:xfrm>
+          <a:off x="0" y="0"/>
+          <a:ext cx="0" cy="0"/>
+          <a:chOff x="0" y="0"/>
+          <a:chExt cx="0" cy="0"/>
+        </a:xfrm>
+      </p:grpSpPr>
+      <p:sp>
+        <p:nvSpPr>
+          <p:cNvPr id="2" name="Title 1">
+            <a:extLst>
+              <a:ext uri="{FF2B5EF4-FFF2-40B4-BE49-F238E27FC236}">
+                <a16:creationId xmlns:a16="http://schemas.microsoft.com/office/drawing/2014/main" id="{BB85C9CA-26B7-4211-9CF2-14904C13E051}"/>
+              </a:ext>
+            </a:extLst>
+          </p:cNvPr>
+          <p:cNvSpPr>
+            <a:spLocks noGrp="1"/>
+          </p:cNvSpPr>
+          <p:nvPr>
+            <p:ph type="title"/>
+          </p:nvPr>
+        </p:nvSpPr>
+        <p:spPr/>
+        <p:txBody>
+          <a:bodyPr/>
+          <a:lstStyle/>
+          <a:p>
+            <a:r>
+              <a:rPr lang="en-US" dirty="0"/>
+              <a:t>Burn-in and thinning</a:t>
+            </a:r>
+          </a:p>
+        </p:txBody>
+      </p:sp>
+      <p:sp>
+        <p:nvSpPr>
+          <p:cNvPr id="3" name="Content Placeholder 2">
+            <a:extLst>
+              <a:ext uri="{FF2B5EF4-FFF2-40B4-BE49-F238E27FC236}">
+                <a16:creationId xmlns:a16="http://schemas.microsoft.com/office/drawing/2014/main" id="{8BCA15B6-AB2E-4FED-A029-1DCAA1A6C002}"/>
+              </a:ext>
+            </a:extLst>
+          </p:cNvPr>
+          <p:cNvSpPr>
+            <a:spLocks noGrp="1"/>
+          </p:cNvSpPr>
+          <p:nvPr>
+            <p:ph idx="1"/>
+          </p:nvPr>
+        </p:nvSpPr>
+        <p:spPr/>
+        <p:txBody>
+          <a:bodyPr/>
+          <a:lstStyle/>
+          <a:p>
+            <a:r>
+              <a:rPr lang="en-US" dirty="0"/>
+              <a:t>Reduce the impact of the initial parameter vector and Markov nature of the algorithm by having a burn-in period and thinning the chain</a:t>
+            </a:r>
+          </a:p>
+          <a:p>
+            <a:r>
+              <a:rPr lang="en-US" dirty="0"/>
+              <a:t>Burn-in: 5-50% of the total chain length to allow the algorithm to set itself up</a:t>
+            </a:r>
+          </a:p>
+          <a:p>
+            <a:r>
+              <a:rPr lang="en-US" dirty="0"/>
+              <a:t>Thin the chain by taking every</a:t>
+            </a:r>
+            <a:r>
+              <a:rPr lang="en-US" i="1" dirty="0"/>
+              <a:t> n</a:t>
+            </a:r>
+            <a:r>
+              <a:rPr lang="en-US" dirty="0"/>
+              <a:t>th value to prevent autocorrelation</a:t>
+            </a:r>
+          </a:p>
+        </p:txBody>
+      </p:sp>
+    </p:spTree>
+    <p:extLst>
+      <p:ext uri="{BB962C8B-B14F-4D97-AF65-F5344CB8AC3E}">
+        <p14:creationId xmlns:p14="http://schemas.microsoft.com/office/powerpoint/2010/main" val="904614539"/>
+      </p:ext>
+    </p:extLst>
+  </p:cSld>
+  <p:clrMapOvr>
+    <a:masterClrMapping/>
+  </p:clrMapOvr>
+</p:sld>
+</file>
+
+<file path=ppt/slides/slide18.xml><?xml version="1.0" encoding="utf-8"?>
+<p:sld xmlns:a="http://schemas.openxmlformats.org/drawingml/2006/main" xmlns:r="http://schemas.openxmlformats.org/officeDocument/2006/relationships" xmlns:p="http://schemas.openxmlformats.org/presentationml/2006/main">
+  <p:cSld>
+    <p:spTree>
+      <p:nvGrpSpPr>
+        <p:cNvPr id="1" name=""/>
+        <p:cNvGrpSpPr/>
+        <p:nvPr/>
+      </p:nvGrpSpPr>
+      <p:grpSpPr>
+        <a:xfrm>
+          <a:off x="0" y="0"/>
+          <a:ext cx="0" cy="0"/>
+          <a:chOff x="0" y="0"/>
+          <a:chExt cx="0" cy="0"/>
+        </a:xfrm>
+      </p:grpSpPr>
+      <p:sp>
+        <p:nvSpPr>
+          <p:cNvPr id="2" name="Title 1">
+            <a:extLst>
+              <a:ext uri="{FF2B5EF4-FFF2-40B4-BE49-F238E27FC236}">
                 <a16:creationId xmlns:a16="http://schemas.microsoft.com/office/drawing/2014/main" id="{927BC292-D3D0-47F0-8B97-2BA949A8F383}"/>
               </a:ext>
             </a:extLst>
@@ -4511,6 +5926,98 @@
     <p:extLst>
       <p:ext uri="{BB962C8B-B14F-4D97-AF65-F5344CB8AC3E}">
         <p14:creationId xmlns:p14="http://schemas.microsoft.com/office/powerpoint/2010/main" val="2427194158"/>
+      </p:ext>
+    </p:extLst>
+  </p:cSld>
+  <p:clrMapOvr>
+    <a:masterClrMapping/>
+  </p:clrMapOvr>
+</p:sld>
+</file>
+
+<file path=ppt/slides/slide19.xml><?xml version="1.0" encoding="utf-8"?>
+<p:sld xmlns:a="http://schemas.openxmlformats.org/drawingml/2006/main" xmlns:r="http://schemas.openxmlformats.org/officeDocument/2006/relationships" xmlns:p="http://schemas.openxmlformats.org/presentationml/2006/main">
+  <p:cSld>
+    <p:spTree>
+      <p:nvGrpSpPr>
+        <p:cNvPr id="1" name=""/>
+        <p:cNvGrpSpPr/>
+        <p:nvPr/>
+      </p:nvGrpSpPr>
+      <p:grpSpPr>
+        <a:xfrm>
+          <a:off x="0" y="0"/>
+          <a:ext cx="0" cy="0"/>
+          <a:chOff x="0" y="0"/>
+          <a:chExt cx="0" cy="0"/>
+        </a:xfrm>
+      </p:grpSpPr>
+      <p:sp>
+        <p:nvSpPr>
+          <p:cNvPr id="2" name="Title 1">
+            <a:extLst>
+              <a:ext uri="{FF2B5EF4-FFF2-40B4-BE49-F238E27FC236}">
+                <a16:creationId xmlns:a16="http://schemas.microsoft.com/office/drawing/2014/main" id="{61EDF041-3987-4EF9-A638-F61581F59145}"/>
+              </a:ext>
+            </a:extLst>
+          </p:cNvPr>
+          <p:cNvSpPr>
+            <a:spLocks noGrp="1"/>
+          </p:cNvSpPr>
+          <p:nvPr>
+            <p:ph type="title"/>
+          </p:nvPr>
+        </p:nvSpPr>
+        <p:spPr/>
+        <p:txBody>
+          <a:bodyPr/>
+          <a:lstStyle/>
+          <a:p>
+            <a:r>
+              <a:rPr lang="en-US" dirty="0"/>
+              <a:t>Exercise: SCA MCMC</a:t>
+            </a:r>
+          </a:p>
+        </p:txBody>
+      </p:sp>
+      <p:sp>
+        <p:nvSpPr>
+          <p:cNvPr id="3" name="Content Placeholder 2">
+            <a:extLst>
+              <a:ext uri="{FF2B5EF4-FFF2-40B4-BE49-F238E27FC236}">
+                <a16:creationId xmlns:a16="http://schemas.microsoft.com/office/drawing/2014/main" id="{C6C1F363-EB65-4677-AF03-F270E740AB57}"/>
+              </a:ext>
+            </a:extLst>
+          </p:cNvPr>
+          <p:cNvSpPr>
+            <a:spLocks noGrp="1"/>
+          </p:cNvSpPr>
+          <p:nvPr>
+            <p:ph idx="1"/>
+          </p:nvPr>
+        </p:nvSpPr>
+        <p:spPr/>
+        <p:txBody>
+          <a:bodyPr/>
+          <a:lstStyle/>
+          <a:p>
+            <a:r>
+              <a:rPr lang="en-US" dirty="0"/>
+              <a:t>Run SCA model (agestructured3) using MCMC</a:t>
+            </a:r>
+          </a:p>
+          <a:p>
+            <a:r>
+              <a:rPr lang="en-US" dirty="0"/>
+              <a:t>Examine results in R</a:t>
+            </a:r>
+          </a:p>
+        </p:txBody>
+      </p:sp>
+    </p:spTree>
+    <p:extLst>
+      <p:ext uri="{BB962C8B-B14F-4D97-AF65-F5344CB8AC3E}">
+        <p14:creationId xmlns:p14="http://schemas.microsoft.com/office/powerpoint/2010/main" val="1641919680"/>
       </p:ext>
     </p:extLst>
   </p:cSld>
@@ -9848,4 +11355,299 @@
     </a:ext>
   </a:extLst>
 </a:theme>
+</file>
+
+<file path=ppt/theme/theme2.xml><?xml version="1.0" encoding="utf-8"?>
+<a:theme xmlns:a="http://schemas.openxmlformats.org/drawingml/2006/main" name="Office Theme">
+  <a:themeElements>
+    <a:clrScheme name="Office">
+      <a:dk1>
+        <a:sysClr val="windowText" lastClr="000000"/>
+      </a:dk1>
+      <a:lt1>
+        <a:sysClr val="window" lastClr="FFFFFF"/>
+      </a:lt1>
+      <a:dk2>
+        <a:srgbClr val="44546A"/>
+      </a:dk2>
+      <a:lt2>
+        <a:srgbClr val="E7E6E6"/>
+      </a:lt2>
+      <a:accent1>
+        <a:srgbClr val="4472C4"/>
+      </a:accent1>
+      <a:accent2>
+        <a:srgbClr val="ED7D31"/>
+      </a:accent2>
+      <a:accent3>
+        <a:srgbClr val="A5A5A5"/>
+      </a:accent3>
+      <a:accent4>
+        <a:srgbClr val="FFC000"/>
+      </a:accent4>
+      <a:accent5>
+        <a:srgbClr val="5B9BD5"/>
+      </a:accent5>
+      <a:accent6>
+        <a:srgbClr val="70AD47"/>
+      </a:accent6>
+      <a:hlink>
+        <a:srgbClr val="0563C1"/>
+      </a:hlink>
+      <a:folHlink>
+        <a:srgbClr val="954F72"/>
+      </a:folHlink>
+    </a:clrScheme>
+    <a:fontScheme name="Office">
+      <a:majorFont>
+        <a:latin typeface="Calibri Light" panose="020F0302020204030204"/>
+        <a:ea typeface=""/>
+        <a:cs typeface=""/>
+        <a:font script="Jpan" typeface="游ゴシック Light"/>
+        <a:font script="Hang" typeface="맑은 고딕"/>
+        <a:font script="Hans" typeface="等线 Light"/>
+        <a:font script="Hant" typeface="新細明體"/>
+        <a:font script="Arab" typeface="Times New Roman"/>
+        <a:font script="Hebr" typeface="Times New Roman"/>
+        <a:font script="Thai" typeface="Angsana New"/>
+        <a:font script="Ethi" typeface="Nyala"/>
+        <a:font script="Beng" typeface="Vrinda"/>
+        <a:font script="Gujr" typeface="Shruti"/>
+        <a:font script="Khmr" typeface="MoolBoran"/>
+        <a:font script="Knda" typeface="Tunga"/>
+        <a:font script="Guru" typeface="Raavi"/>
+        <a:font script="Cans" typeface="Euphemia"/>
+        <a:font script="Cher" typeface="Plantagenet Cherokee"/>
+        <a:font script="Yiii" typeface="Microsoft Yi Baiti"/>
+        <a:font script="Tibt" typeface="Microsoft Himalaya"/>
+        <a:font script="Thaa" typeface="MV Boli"/>
+        <a:font script="Deva" typeface="Mangal"/>
+        <a:font script="Telu" typeface="Gautami"/>
+        <a:font script="Taml" typeface="Latha"/>
+        <a:font script="Syrc" typeface="Estrangelo Edessa"/>
+        <a:font script="Orya" typeface="Kalinga"/>
+        <a:font script="Mlym" typeface="Kartika"/>
+        <a:font script="Laoo" typeface="DokChampa"/>
+        <a:font script="Sinh" typeface="Iskoola Pota"/>
+        <a:font script="Mong" typeface="Mongolian Baiti"/>
+        <a:font script="Viet" typeface="Times New Roman"/>
+        <a:font script="Uigh" typeface="Microsoft Uighur"/>
+        <a:font script="Geor" typeface="Sylfaen"/>
+        <a:font script="Armn" typeface="Arial"/>
+        <a:font script="Bugi" typeface="Leelawadee UI"/>
+        <a:font script="Bopo" typeface="Microsoft JhengHei"/>
+        <a:font script="Java" typeface="Javanese Text"/>
+        <a:font script="Lisu" typeface="Segoe UI"/>
+        <a:font script="Mymr" typeface="Myanmar Text"/>
+        <a:font script="Nkoo" typeface="Ebrima"/>
+        <a:font script="Olck" typeface="Nirmala UI"/>
+        <a:font script="Osma" typeface="Ebrima"/>
+        <a:font script="Phag" typeface="Phagspa"/>
+        <a:font script="Syrn" typeface="Estrangelo Edessa"/>
+        <a:font script="Syrj" typeface="Estrangelo Edessa"/>
+        <a:font script="Syre" typeface="Estrangelo Edessa"/>
+        <a:font script="Sora" typeface="Nirmala UI"/>
+        <a:font script="Tale" typeface="Microsoft Tai Le"/>
+        <a:font script="Talu" typeface="Microsoft New Tai Lue"/>
+        <a:font script="Tfng" typeface="Ebrima"/>
+      </a:majorFont>
+      <a:minorFont>
+        <a:latin typeface="Calibri" panose="020F0502020204030204"/>
+        <a:ea typeface=""/>
+        <a:cs typeface=""/>
+        <a:font script="Jpan" typeface="游ゴシック"/>
+        <a:font script="Hang" typeface="맑은 고딕"/>
+        <a:font script="Hans" typeface="等线"/>
+        <a:font script="Hant" typeface="新細明體"/>
+        <a:font script="Arab" typeface="Arial"/>
+        <a:font script="Hebr" typeface="Arial"/>
+        <a:font script="Thai" typeface="Cordia New"/>
+        <a:font script="Ethi" typeface="Nyala"/>
+        <a:font script="Beng" typeface="Vrinda"/>
+        <a:font script="Gujr" typeface="Shruti"/>
+        <a:font script="Khmr" typeface="DaunPenh"/>
+        <a:font script="Knda" typeface="Tunga"/>
+        <a:font script="Guru" typeface="Raavi"/>
+        <a:font script="Cans" typeface="Euphemia"/>
+        <a:font script="Cher" typeface="Plantagenet Cherokee"/>
+        <a:font script="Yiii" typeface="Microsoft Yi Baiti"/>
+        <a:font script="Tibt" typeface="Microsoft Himalaya"/>
+        <a:font script="Thaa" typeface="MV Boli"/>
+        <a:font script="Deva" typeface="Mangal"/>
+        <a:font script="Telu" typeface="Gautami"/>
+        <a:font script="Taml" typeface="Latha"/>
+        <a:font script="Syrc" typeface="Estrangelo Edessa"/>
+        <a:font script="Orya" typeface="Kalinga"/>
+        <a:font script="Mlym" typeface="Kartika"/>
+        <a:font script="Laoo" typeface="DokChampa"/>
+        <a:font script="Sinh" typeface="Iskoola Pota"/>
+        <a:font script="Mong" typeface="Mongolian Baiti"/>
+        <a:font script="Viet" typeface="Arial"/>
+        <a:font script="Uigh" typeface="Microsoft Uighur"/>
+        <a:font script="Geor" typeface="Sylfaen"/>
+        <a:font script="Armn" typeface="Arial"/>
+        <a:font script="Bugi" typeface="Leelawadee UI"/>
+        <a:font script="Bopo" typeface="Microsoft JhengHei"/>
+        <a:font script="Java" typeface="Javanese Text"/>
+        <a:font script="Lisu" typeface="Segoe UI"/>
+        <a:font script="Mymr" typeface="Myanmar Text"/>
+        <a:font script="Nkoo" typeface="Ebrima"/>
+        <a:font script="Olck" typeface="Nirmala UI"/>
+        <a:font script="Osma" typeface="Ebrima"/>
+        <a:font script="Phag" typeface="Phagspa"/>
+        <a:font script="Syrn" typeface="Estrangelo Edessa"/>
+        <a:font script="Syrj" typeface="Estrangelo Edessa"/>
+        <a:font script="Syre" typeface="Estrangelo Edessa"/>
+        <a:font script="Sora" typeface="Nirmala UI"/>
+        <a:font script="Tale" typeface="Microsoft Tai Le"/>
+        <a:font script="Talu" typeface="Microsoft New Tai Lue"/>
+        <a:font script="Tfng" typeface="Ebrima"/>
+      </a:minorFont>
+    </a:fontScheme>
+    <a:fmtScheme name="Office">
+      <a:fillStyleLst>
+        <a:solidFill>
+          <a:schemeClr val="phClr"/>
+        </a:solidFill>
+        <a:gradFill rotWithShape="1">
+          <a:gsLst>
+            <a:gs pos="0">
+              <a:schemeClr val="phClr">
+                <a:lumMod val="110000"/>
+                <a:satMod val="105000"/>
+                <a:tint val="67000"/>
+              </a:schemeClr>
+            </a:gs>
+            <a:gs pos="50000">
+              <a:schemeClr val="phClr">
+                <a:lumMod val="105000"/>
+                <a:satMod val="103000"/>
+                <a:tint val="73000"/>
+              </a:schemeClr>
+            </a:gs>
+            <a:gs pos="100000">
+              <a:schemeClr val="phClr">
+                <a:lumMod val="105000"/>
+                <a:satMod val="109000"/>
+                <a:tint val="81000"/>
+              </a:schemeClr>
+            </a:gs>
+          </a:gsLst>
+          <a:lin ang="5400000" scaled="0"/>
+        </a:gradFill>
+        <a:gradFill rotWithShape="1">
+          <a:gsLst>
+            <a:gs pos="0">
+              <a:schemeClr val="phClr">
+                <a:satMod val="103000"/>
+                <a:lumMod val="102000"/>
+                <a:tint val="94000"/>
+              </a:schemeClr>
+            </a:gs>
+            <a:gs pos="50000">
+              <a:schemeClr val="phClr">
+                <a:satMod val="110000"/>
+                <a:lumMod val="100000"/>
+                <a:shade val="100000"/>
+              </a:schemeClr>
+            </a:gs>
+            <a:gs pos="100000">
+              <a:schemeClr val="phClr">
+                <a:lumMod val="99000"/>
+                <a:satMod val="120000"/>
+                <a:shade val="78000"/>
+              </a:schemeClr>
+            </a:gs>
+          </a:gsLst>
+          <a:lin ang="5400000" scaled="0"/>
+        </a:gradFill>
+      </a:fillStyleLst>
+      <a:lnStyleLst>
+        <a:ln w="6350" cap="flat" cmpd="sng" algn="ctr">
+          <a:solidFill>
+            <a:schemeClr val="phClr"/>
+          </a:solidFill>
+          <a:prstDash val="solid"/>
+          <a:miter lim="800000"/>
+        </a:ln>
+        <a:ln w="12700" cap="flat" cmpd="sng" algn="ctr">
+          <a:solidFill>
+            <a:schemeClr val="phClr"/>
+          </a:solidFill>
+          <a:prstDash val="solid"/>
+          <a:miter lim="800000"/>
+        </a:ln>
+        <a:ln w="19050" cap="flat" cmpd="sng" algn="ctr">
+          <a:solidFill>
+            <a:schemeClr val="phClr"/>
+          </a:solidFill>
+          <a:prstDash val="solid"/>
+          <a:miter lim="800000"/>
+        </a:ln>
+      </a:lnStyleLst>
+      <a:effectStyleLst>
+        <a:effectStyle>
+          <a:effectLst/>
+        </a:effectStyle>
+        <a:effectStyle>
+          <a:effectLst/>
+        </a:effectStyle>
+        <a:effectStyle>
+          <a:effectLst>
+            <a:outerShdw blurRad="57150" dist="19050" dir="5400000" algn="ctr" rotWithShape="0">
+              <a:srgbClr val="000000">
+                <a:alpha val="63000"/>
+              </a:srgbClr>
+            </a:outerShdw>
+          </a:effectLst>
+        </a:effectStyle>
+      </a:effectStyleLst>
+      <a:bgFillStyleLst>
+        <a:solidFill>
+          <a:schemeClr val="phClr"/>
+        </a:solidFill>
+        <a:solidFill>
+          <a:schemeClr val="phClr">
+            <a:tint val="95000"/>
+            <a:satMod val="170000"/>
+          </a:schemeClr>
+        </a:solidFill>
+        <a:gradFill rotWithShape="1">
+          <a:gsLst>
+            <a:gs pos="0">
+              <a:schemeClr val="phClr">
+                <a:tint val="93000"/>
+                <a:satMod val="150000"/>
+                <a:shade val="98000"/>
+                <a:lumMod val="102000"/>
+              </a:schemeClr>
+            </a:gs>
+            <a:gs pos="50000">
+              <a:schemeClr val="phClr">
+                <a:tint val="98000"/>
+                <a:satMod val="130000"/>
+                <a:shade val="90000"/>
+                <a:lumMod val="103000"/>
+              </a:schemeClr>
+            </a:gs>
+            <a:gs pos="100000">
+              <a:schemeClr val="phClr">
+                <a:shade val="63000"/>
+                <a:satMod val="120000"/>
+              </a:schemeClr>
+            </a:gs>
+          </a:gsLst>
+          <a:lin ang="5400000" scaled="0"/>
+        </a:gradFill>
+      </a:bgFillStyleLst>
+    </a:fmtScheme>
+  </a:themeElements>
+  <a:objectDefaults/>
+  <a:extraClrSchemeLst/>
+  <a:extLst>
+    <a:ext uri="{05A4C25C-085E-4340-85A3-A5531E510DB2}">
+      <thm15:themeFamily xmlns:thm15="http://schemas.microsoft.com/office/thememl/2012/main" name="Office Theme" id="{62F939B6-93AF-4DB8-9C6B-D6C7DFDC589F}" vid="{4A3C46E8-61CC-4603-A589-7422A47A8E4A}"/>
+    </a:ext>
+  </a:extLst>
+</a:theme>
 </file>
--- a/Day2/2c_Uncertainty/Uncertainty.pptx
+++ b/Day2/2c_Uncertainty/Uncertainty.pptx
@@ -215,7 +215,7 @@
           <a:p>
             <a:fld id="{DEF76E2F-A464-480E-ABD9-CDB1D851B4E5}" type="datetimeFigureOut">
               <a:rPr lang="en-US" smtClean="0"/>
-              <a:t>3/13/2018</a:t>
+              <a:t>3/15/2018</a:t>
             </a:fld>
             <a:endParaRPr lang="en-US"/>
           </a:p>
@@ -633,7 +633,7 @@
           <a:p>
             <a:fld id="{301C93F6-94E6-45CC-84F9-00A48EE15881}" type="datetimeFigureOut">
               <a:rPr lang="en-US" smtClean="0"/>
-              <a:t>3/13/2018</a:t>
+              <a:t>3/15/2018</a:t>
             </a:fld>
             <a:endParaRPr lang="en-US"/>
           </a:p>
@@ -831,7 +831,7 @@
           <a:p>
             <a:fld id="{301C93F6-94E6-45CC-84F9-00A48EE15881}" type="datetimeFigureOut">
               <a:rPr lang="en-US" smtClean="0"/>
-              <a:t>3/13/2018</a:t>
+              <a:t>3/15/2018</a:t>
             </a:fld>
             <a:endParaRPr lang="en-US"/>
           </a:p>
@@ -1039,7 +1039,7 @@
           <a:p>
             <a:fld id="{301C93F6-94E6-45CC-84F9-00A48EE15881}" type="datetimeFigureOut">
               <a:rPr lang="en-US" smtClean="0"/>
-              <a:t>3/13/2018</a:t>
+              <a:t>3/15/2018</a:t>
             </a:fld>
             <a:endParaRPr lang="en-US"/>
           </a:p>
@@ -1269,7 +1269,7 @@
           <a:p>
             <a:fld id="{301C93F6-94E6-45CC-84F9-00A48EE15881}" type="datetimeFigureOut">
               <a:rPr lang="en-US" smtClean="0"/>
-              <a:t>3/13/2018</a:t>
+              <a:t>3/15/2018</a:t>
             </a:fld>
             <a:endParaRPr lang="en-US"/>
           </a:p>
@@ -1544,7 +1544,7 @@
           <a:p>
             <a:fld id="{301C93F6-94E6-45CC-84F9-00A48EE15881}" type="datetimeFigureOut">
               <a:rPr lang="en-US" smtClean="0"/>
-              <a:t>3/13/2018</a:t>
+              <a:t>3/15/2018</a:t>
             </a:fld>
             <a:endParaRPr lang="en-US"/>
           </a:p>
@@ -1809,7 +1809,7 @@
           <a:p>
             <a:fld id="{301C93F6-94E6-45CC-84F9-00A48EE15881}" type="datetimeFigureOut">
               <a:rPr lang="en-US" smtClean="0"/>
-              <a:t>3/13/2018</a:t>
+              <a:t>3/15/2018</a:t>
             </a:fld>
             <a:endParaRPr lang="en-US"/>
           </a:p>
@@ -2221,7 +2221,7 @@
           <a:p>
             <a:fld id="{301C93F6-94E6-45CC-84F9-00A48EE15881}" type="datetimeFigureOut">
               <a:rPr lang="en-US" smtClean="0"/>
-              <a:t>3/13/2018</a:t>
+              <a:t>3/15/2018</a:t>
             </a:fld>
             <a:endParaRPr lang="en-US"/>
           </a:p>
@@ -2362,7 +2362,7 @@
           <a:p>
             <a:fld id="{301C93F6-94E6-45CC-84F9-00A48EE15881}" type="datetimeFigureOut">
               <a:rPr lang="en-US" smtClean="0"/>
-              <a:t>3/13/2018</a:t>
+              <a:t>3/15/2018</a:t>
             </a:fld>
             <a:endParaRPr lang="en-US"/>
           </a:p>
@@ -2475,7 +2475,7 @@
           <a:p>
             <a:fld id="{301C93F6-94E6-45CC-84F9-00A48EE15881}" type="datetimeFigureOut">
               <a:rPr lang="en-US" smtClean="0"/>
-              <a:t>3/13/2018</a:t>
+              <a:t>3/15/2018</a:t>
             </a:fld>
             <a:endParaRPr lang="en-US"/>
           </a:p>
@@ -2786,7 +2786,7 @@
           <a:p>
             <a:fld id="{301C93F6-94E6-45CC-84F9-00A48EE15881}" type="datetimeFigureOut">
               <a:rPr lang="en-US" smtClean="0"/>
-              <a:t>3/13/2018</a:t>
+              <a:t>3/15/2018</a:t>
             </a:fld>
             <a:endParaRPr lang="en-US"/>
           </a:p>
@@ -3074,7 +3074,7 @@
           <a:p>
             <a:fld id="{301C93F6-94E6-45CC-84F9-00A48EE15881}" type="datetimeFigureOut">
               <a:rPr lang="en-US" smtClean="0"/>
-              <a:t>3/13/2018</a:t>
+              <a:t>3/15/2018</a:t>
             </a:fld>
             <a:endParaRPr lang="en-US"/>
           </a:p>
@@ -3315,7 +3315,7 @@
           <a:p>
             <a:fld id="{301C93F6-94E6-45CC-84F9-00A48EE15881}" type="datetimeFigureOut">
               <a:rPr lang="en-US" smtClean="0"/>
-              <a:t>3/13/2018</a:t>
+              <a:t>3/15/2018</a:t>
             </a:fld>
             <a:endParaRPr lang="en-US"/>
           </a:p>
@@ -3898,6 +3898,13 @@
             <a:pPr lvl="1"/>
             <a:r>
               <a:rPr lang="en-US" dirty="0"/>
+              <a:t>Run with R or command line</a:t>
+            </a:r>
+          </a:p>
+          <a:p>
+            <a:pPr lvl="1"/>
+            <a:r>
+              <a:rPr lang="en-US" dirty="0"/>
               <a:t>Plot in R</a:t>
             </a:r>
           </a:p>
@@ -3915,6 +3922,13 @@
             <a:r>
               <a:rPr lang="en-US" dirty="0"/>
               <a:t>Profile over q</a:t>
+            </a:r>
+          </a:p>
+          <a:p>
+            <a:pPr lvl="1"/>
+            <a:r>
+              <a:rPr lang="en-US" dirty="0"/>
+              <a:t>Run with R or command line</a:t>
             </a:r>
           </a:p>
           <a:p>
@@ -3929,6 +3943,123 @@
               <a:buNone/>
             </a:pPr>
             <a:endParaRPr lang="en-US" dirty="0"/>
+          </a:p>
+        </p:txBody>
+      </p:sp>
+      <p:sp>
+        <p:nvSpPr>
+          <p:cNvPr id="4" name="Rectangle 3">
+            <a:extLst>
+              <a:ext uri="{FF2B5EF4-FFF2-40B4-BE49-F238E27FC236}">
+                <a16:creationId xmlns:a16="http://schemas.microsoft.com/office/drawing/2014/main" id="{24EF6899-87F6-4DD0-BA47-6A7380896CBC}"/>
+              </a:ext>
+            </a:extLst>
+          </p:cNvPr>
+          <p:cNvSpPr/>
+          <p:nvPr/>
+        </p:nvSpPr>
+        <p:spPr>
+          <a:xfrm>
+            <a:off x="6096000" y="1826419"/>
+            <a:ext cx="6096000" cy="3108543"/>
+          </a:xfrm>
+          <a:prstGeom prst="rect">
+            <a:avLst/>
+          </a:prstGeom>
+        </p:spPr>
+        <p:txBody>
+          <a:bodyPr>
+            <a:spAutoFit/>
+          </a:bodyPr>
+          <a:lstStyle/>
+          <a:p>
+            <a:r>
+              <a:rPr lang="en-US" sz="2800" dirty="0">
+                <a:latin typeface="Helvetica" panose="020B0504020202030204" pitchFamily="34" charset="0"/>
+              </a:rPr>
+              <a:t>Example</a:t>
+            </a:r>
+          </a:p>
+          <a:p>
+            <a:endParaRPr lang="en-US" sz="2800" dirty="0">
+              <a:latin typeface="Helvetica" panose="020B0504020202030204" pitchFamily="34" charset="0"/>
+            </a:endParaRPr>
+          </a:p>
+          <a:p>
+            <a:r>
+              <a:rPr lang="en-US" sz="2800" dirty="0">
+                <a:latin typeface="Helvetica" panose="020B0504020202030204" pitchFamily="34" charset="0"/>
+              </a:rPr>
+              <a:t>PARAMETER_SECTION</a:t>
+            </a:r>
+          </a:p>
+          <a:p>
+            <a:r>
+              <a:rPr lang="en-US" sz="2800" dirty="0">
+                <a:latin typeface="Helvetica" panose="020B0504020202030204" pitchFamily="34" charset="0"/>
+              </a:rPr>
+              <a:t>  </a:t>
+            </a:r>
+            <a:r>
+              <a:rPr lang="en-US" sz="2800" dirty="0" err="1">
+                <a:latin typeface="Helvetica" panose="020B0504020202030204" pitchFamily="34" charset="0"/>
+              </a:rPr>
+              <a:t>likeprof_number</a:t>
+            </a:r>
+            <a:r>
+              <a:rPr lang="en-US" sz="2800" dirty="0">
+                <a:latin typeface="Helvetica" panose="020B0504020202030204" pitchFamily="34" charset="0"/>
+              </a:rPr>
+              <a:t> </a:t>
+            </a:r>
+            <a:r>
+              <a:rPr lang="en-US" sz="2800" dirty="0" err="1">
+                <a:latin typeface="Helvetica" panose="020B0504020202030204" pitchFamily="34" charset="0"/>
+              </a:rPr>
+              <a:t>Linf_prof</a:t>
+            </a:r>
+            <a:r>
+              <a:rPr lang="en-US" sz="2800" dirty="0">
+                <a:latin typeface="Helvetica" panose="020B0504020202030204" pitchFamily="34" charset="0"/>
+              </a:rPr>
+              <a:t>;</a:t>
+            </a:r>
+          </a:p>
+          <a:p>
+            <a:endParaRPr lang="en-US" sz="2800" dirty="0">
+              <a:latin typeface="Helvetica" panose="020B0504020202030204" pitchFamily="34" charset="0"/>
+            </a:endParaRPr>
+          </a:p>
+          <a:p>
+            <a:r>
+              <a:rPr lang="en-US" sz="2800" dirty="0">
+                <a:latin typeface="Helvetica" panose="020B0504020202030204" pitchFamily="34" charset="0"/>
+              </a:rPr>
+              <a:t>Run with arguments: </a:t>
+            </a:r>
+          </a:p>
+          <a:p>
+            <a:r>
+              <a:rPr lang="en-US" sz="2800" dirty="0" err="1">
+                <a:latin typeface="Helvetica" panose="020B0504020202030204" pitchFamily="34" charset="0"/>
+              </a:rPr>
+              <a:t>vonbert</a:t>
+            </a:r>
+            <a:r>
+              <a:rPr lang="en-US" sz="2800" dirty="0">
+                <a:latin typeface="Helvetica" panose="020B0504020202030204" pitchFamily="34" charset="0"/>
+              </a:rPr>
+              <a:t> –</a:t>
+            </a:r>
+            <a:r>
+              <a:rPr lang="en-US" sz="2800" dirty="0" err="1">
+                <a:latin typeface="Helvetica" panose="020B0504020202030204" pitchFamily="34" charset="0"/>
+              </a:rPr>
+              <a:t>likeprof</a:t>
+            </a:r>
+            <a:endParaRPr lang="en-US" sz="2800" dirty="0">
+              <a:latin typeface="Helvetica" panose="020B0504020202030204" pitchFamily="34" charset="0"/>
+            </a:endParaRPr>
           </a:p>
         </p:txBody>
       </p:sp>
@@ -4103,7 +4234,7 @@
           <a:graphicData uri="http://schemas.openxmlformats.org/presentationml/2006/ole">
             <mc:AlternateContent xmlns:mc="http://schemas.openxmlformats.org/markup-compatibility/2006">
               <mc:Choice xmlns:v="urn:schemas-microsoft-com:vml" Requires="v">
-                <p:oleObj spid="_x0000_s1075" name="Equation" r:id="rId3" imgW="1777229" imgH="482391" progId="Equation.DSMT4">
+                <p:oleObj spid="_x0000_s1087" name="Equation" r:id="rId3" imgW="1777229" imgH="482391" progId="Equation.DSMT4">
                   <p:embed/>
                 </p:oleObj>
               </mc:Choice>
@@ -4214,7 +4345,7 @@
           <a:graphicData uri="http://schemas.openxmlformats.org/presentationml/2006/ole">
             <mc:AlternateContent xmlns:mc="http://schemas.openxmlformats.org/markup-compatibility/2006">
               <mc:Choice xmlns:v="urn:schemas-microsoft-com:vml" Requires="v">
-                <p:oleObj spid="_x0000_s1076" name="Equation" r:id="rId5" imgW="342603" imgH="215713" progId="Equation.DSMT4">
+                <p:oleObj spid="_x0000_s1088" name="Equation" r:id="rId5" imgW="342603" imgH="215713" progId="Equation.DSMT4">
                   <p:embed/>
                 </p:oleObj>
               </mc:Choice>
@@ -11000,7 +11131,9 @@
         </p:nvSpPr>
         <p:spPr/>
         <p:txBody>
-          <a:bodyPr/>
+          <a:bodyPr>
+            <a:normAutofit fontScale="92500" lnSpcReduction="20000"/>
+          </a:bodyPr>
           <a:lstStyle/>
           <a:p>
             <a:r>
@@ -11046,6 +11179,82 @@
               <a:rPr lang="en-US" dirty="0"/>
               <a:t>Can adjust number of points profiled for finer resolution</a:t>
             </a:r>
+          </a:p>
+          <a:p>
+            <a:endParaRPr lang="en-US" dirty="0"/>
+          </a:p>
+          <a:p>
+            <a:pPr marL="0" indent="0">
+              <a:buNone/>
+            </a:pPr>
+            <a:r>
+              <a:rPr lang="en-US" dirty="0"/>
+              <a:t>PARAMETER_SECTION</a:t>
+            </a:r>
+          </a:p>
+          <a:p>
+            <a:pPr marL="0" indent="0">
+              <a:buNone/>
+            </a:pPr>
+            <a:r>
+              <a:rPr lang="en-US" dirty="0"/>
+              <a:t>  </a:t>
+            </a:r>
+            <a:r>
+              <a:rPr lang="en-US" dirty="0" err="1"/>
+              <a:t>likeprof_number</a:t>
+            </a:r>
+            <a:r>
+              <a:rPr lang="en-US" dirty="0"/>
+              <a:t> </a:t>
+            </a:r>
+            <a:r>
+              <a:rPr lang="en-US" dirty="0" err="1"/>
+              <a:t>Linf_prof</a:t>
+            </a:r>
+            <a:r>
+              <a:rPr lang="en-US" dirty="0"/>
+              <a:t>;</a:t>
+            </a:r>
+          </a:p>
+          <a:p>
+            <a:pPr marL="0" indent="0">
+              <a:buNone/>
+            </a:pPr>
+            <a:endParaRPr lang="en-US" dirty="0"/>
+          </a:p>
+          <a:p>
+            <a:pPr marL="0" indent="0">
+              <a:buNone/>
+            </a:pPr>
+            <a:r>
+              <a:rPr lang="en-US" dirty="0"/>
+              <a:t>Run with arguments: </a:t>
+            </a:r>
+          </a:p>
+          <a:p>
+            <a:pPr marL="0" indent="0">
+              <a:buNone/>
+            </a:pPr>
+            <a:r>
+              <a:rPr lang="en-US" dirty="0" err="1"/>
+              <a:t>vonbert</a:t>
+            </a:r>
+            <a:r>
+              <a:rPr lang="en-US" dirty="0"/>
+              <a:t> –</a:t>
+            </a:r>
+            <a:r>
+              <a:rPr lang="en-US" dirty="0" err="1"/>
+              <a:t>likeprof</a:t>
+            </a:r>
+            <a:endParaRPr lang="en-US" dirty="0"/>
+          </a:p>
+          <a:p>
+            <a:pPr marL="0" indent="0">
+              <a:buNone/>
+            </a:pPr>
+            <a:endParaRPr lang="en-US" dirty="0"/>
           </a:p>
         </p:txBody>
       </p:sp>

--- a/Day2/2c_Uncertainty/Uncertainty.pptx
+++ b/Day2/2c_Uncertainty/Uncertainty.pptx
@@ -4234,7 +4234,7 @@
           <a:graphicData uri="http://schemas.openxmlformats.org/presentationml/2006/ole">
             <mc:AlternateContent xmlns:mc="http://schemas.openxmlformats.org/markup-compatibility/2006">
               <mc:Choice xmlns:v="urn:schemas-microsoft-com:vml" Requires="v">
-                <p:oleObj spid="_x0000_s1087" name="Equation" r:id="rId3" imgW="1777229" imgH="482391" progId="Equation.DSMT4">
+                <p:oleObj spid="_x0000_s1091" name="Equation" r:id="rId3" imgW="1777229" imgH="482391" progId="Equation.DSMT4">
                   <p:embed/>
                 </p:oleObj>
               </mc:Choice>
@@ -4345,7 +4345,7 @@
           <a:graphicData uri="http://schemas.openxmlformats.org/presentationml/2006/ole">
             <mc:AlternateContent xmlns:mc="http://schemas.openxmlformats.org/markup-compatibility/2006">
               <mc:Choice xmlns:v="urn:schemas-microsoft-com:vml" Requires="v">
-                <p:oleObj spid="_x0000_s1088" name="Equation" r:id="rId5" imgW="342603" imgH="215713" progId="Equation.DSMT4">
+                <p:oleObj spid="_x0000_s1092" name="Equation" r:id="rId5" imgW="342603" imgH="215713" progId="Equation.DSMT4">
                   <p:embed/>
                 </p:oleObj>
               </mc:Choice>
@@ -11246,7 +11246,7 @@
             </a:r>
             <a:r>
               <a:rPr lang="en-US" dirty="0" err="1"/>
-              <a:t>likeprof</a:t>
+              <a:t>lprof</a:t>
             </a:r>
             <a:endParaRPr lang="en-US" dirty="0"/>
           </a:p>
